--- a/Kubernetes.pptx
+++ b/Kubernetes.pptx
@@ -15,7 +15,11 @@
     <p:sldId id="266" r:id="rId9"/>
     <p:sldId id="265" r:id="rId10"/>
     <p:sldId id="262" r:id="rId11"/>
-    <p:sldId id="263" r:id="rId12"/>
+    <p:sldId id="267" r:id="rId12"/>
+    <p:sldId id="263" r:id="rId13"/>
+    <p:sldId id="268" r:id="rId14"/>
+    <p:sldId id="269" r:id="rId15"/>
+    <p:sldId id="270" r:id="rId16"/>
   </p:sldIdLst>
   <p:sldSz cx="12192000" cy="6858000"/>
   <p:notesSz cx="6858000" cy="9144000"/>
@@ -269,7 +273,7 @@
           <a:p>
             <a:fld id="{27A3BCDD-EC13-40BE-821C-16B3334CD53D}" type="datetimeFigureOut">
               <a:rPr lang="en-US" smtClean="0"/>
-              <a:t>4/16/2023</a:t>
+              <a:t>4/28/2023</a:t>
             </a:fld>
             <a:endParaRPr lang="en-US"/>
           </a:p>
@@ -467,7 +471,7 @@
           <a:p>
             <a:fld id="{27A3BCDD-EC13-40BE-821C-16B3334CD53D}" type="datetimeFigureOut">
               <a:rPr lang="en-US" smtClean="0"/>
-              <a:t>4/16/2023</a:t>
+              <a:t>4/28/2023</a:t>
             </a:fld>
             <a:endParaRPr lang="en-US"/>
           </a:p>
@@ -675,7 +679,7 @@
           <a:p>
             <a:fld id="{27A3BCDD-EC13-40BE-821C-16B3334CD53D}" type="datetimeFigureOut">
               <a:rPr lang="en-US" smtClean="0"/>
-              <a:t>4/16/2023</a:t>
+              <a:t>4/28/2023</a:t>
             </a:fld>
             <a:endParaRPr lang="en-US"/>
           </a:p>
@@ -873,7 +877,7 @@
           <a:p>
             <a:fld id="{27A3BCDD-EC13-40BE-821C-16B3334CD53D}" type="datetimeFigureOut">
               <a:rPr lang="en-US" smtClean="0"/>
-              <a:t>4/16/2023</a:t>
+              <a:t>4/28/2023</a:t>
             </a:fld>
             <a:endParaRPr lang="en-US"/>
           </a:p>
@@ -1148,7 +1152,7 @@
           <a:p>
             <a:fld id="{27A3BCDD-EC13-40BE-821C-16B3334CD53D}" type="datetimeFigureOut">
               <a:rPr lang="en-US" smtClean="0"/>
-              <a:t>4/16/2023</a:t>
+              <a:t>4/28/2023</a:t>
             </a:fld>
             <a:endParaRPr lang="en-US"/>
           </a:p>
@@ -1413,7 +1417,7 @@
           <a:p>
             <a:fld id="{27A3BCDD-EC13-40BE-821C-16B3334CD53D}" type="datetimeFigureOut">
               <a:rPr lang="en-US" smtClean="0"/>
-              <a:t>4/16/2023</a:t>
+              <a:t>4/28/2023</a:t>
             </a:fld>
             <a:endParaRPr lang="en-US"/>
           </a:p>
@@ -1825,7 +1829,7 @@
           <a:p>
             <a:fld id="{27A3BCDD-EC13-40BE-821C-16B3334CD53D}" type="datetimeFigureOut">
               <a:rPr lang="en-US" smtClean="0"/>
-              <a:t>4/16/2023</a:t>
+              <a:t>4/28/2023</a:t>
             </a:fld>
             <a:endParaRPr lang="en-US"/>
           </a:p>
@@ -1966,7 +1970,7 @@
           <a:p>
             <a:fld id="{27A3BCDD-EC13-40BE-821C-16B3334CD53D}" type="datetimeFigureOut">
               <a:rPr lang="en-US" smtClean="0"/>
-              <a:t>4/16/2023</a:t>
+              <a:t>4/28/2023</a:t>
             </a:fld>
             <a:endParaRPr lang="en-US"/>
           </a:p>
@@ -2079,7 +2083,7 @@
           <a:p>
             <a:fld id="{27A3BCDD-EC13-40BE-821C-16B3334CD53D}" type="datetimeFigureOut">
               <a:rPr lang="en-US" smtClean="0"/>
-              <a:t>4/16/2023</a:t>
+              <a:t>4/28/2023</a:t>
             </a:fld>
             <a:endParaRPr lang="en-US"/>
           </a:p>
@@ -2390,7 +2394,7 @@
           <a:p>
             <a:fld id="{27A3BCDD-EC13-40BE-821C-16B3334CD53D}" type="datetimeFigureOut">
               <a:rPr lang="en-US" smtClean="0"/>
-              <a:t>4/16/2023</a:t>
+              <a:t>4/28/2023</a:t>
             </a:fld>
             <a:endParaRPr lang="en-US"/>
           </a:p>
@@ -2678,7 +2682,7 @@
           <a:p>
             <a:fld id="{27A3BCDD-EC13-40BE-821C-16B3334CD53D}" type="datetimeFigureOut">
               <a:rPr lang="en-US" smtClean="0"/>
-              <a:t>4/16/2023</a:t>
+              <a:t>4/28/2023</a:t>
             </a:fld>
             <a:endParaRPr lang="en-US"/>
           </a:p>
@@ -2919,7 +2923,7 @@
           <a:p>
             <a:fld id="{27A3BCDD-EC13-40BE-821C-16B3334CD53D}" type="datetimeFigureOut">
               <a:rPr lang="en-US" smtClean="0"/>
-              <a:t>4/16/2023</a:t>
+              <a:t>4/28/2023</a:t>
             </a:fld>
             <a:endParaRPr lang="en-US"/>
           </a:p>
@@ -4510,6 +4514,1099 @@
         </p:nvSpPr>
         <p:spPr>
           <a:xfrm>
+            <a:off x="3712532" y="230183"/>
+            <a:ext cx="4766930" cy="689633"/>
+          </a:xfrm>
+        </p:spPr>
+        <p:txBody>
+          <a:bodyPr>
+            <a:normAutofit/>
+          </a:bodyPr>
+          <a:lstStyle/>
+          <a:p>
+            <a:pPr marL="0" indent="0" algn="ctr">
+              <a:buFont typeface="Arial" panose="020B0604020202020204" pitchFamily="34" charset="0"/>
+              <a:buNone/>
+            </a:pPr>
+            <a:r>
+              <a:rPr lang="en-US" sz="3600" dirty="0">
+                <a:solidFill>
+                  <a:schemeClr val="tx1"/>
+                </a:solidFill>
+              </a:rPr>
+              <a:t>Networking with Service</a:t>
+            </a:r>
+          </a:p>
+        </p:txBody>
+      </p:sp>
+      <p:sp>
+        <p:nvSpPr>
+          <p:cNvPr id="25" name="TextBox 24">
+            <a:extLst>
+              <a:ext uri="{FF2B5EF4-FFF2-40B4-BE49-F238E27FC236}">
+                <a16:creationId xmlns:a16="http://schemas.microsoft.com/office/drawing/2014/main" id="{88A9A201-27D0-0779-0E62-6769484E5D33}"/>
+              </a:ext>
+            </a:extLst>
+          </p:cNvPr>
+          <p:cNvSpPr txBox="1"/>
+          <p:nvPr/>
+        </p:nvSpPr>
+        <p:spPr>
+          <a:xfrm>
+            <a:off x="3918670" y="815400"/>
+            <a:ext cx="4354654" cy="646331"/>
+          </a:xfrm>
+          <a:prstGeom prst="rect">
+            <a:avLst/>
+          </a:prstGeom>
+          <a:noFill/>
+        </p:spPr>
+        <p:txBody>
+          <a:bodyPr wrap="none" rtlCol="0">
+            <a:spAutoFit/>
+          </a:bodyPr>
+          <a:lstStyle/>
+          <a:p>
+            <a:r>
+              <a:rPr lang="en-US" dirty="0"/>
+              <a:t>Services Provide Networking between Pods..</a:t>
+            </a:r>
+          </a:p>
+          <a:p>
+            <a:r>
+              <a:rPr lang="en-US" dirty="0"/>
+              <a:t>And from the outside world to a pod.</a:t>
+            </a:r>
+          </a:p>
+        </p:txBody>
+      </p:sp>
+      <p:grpSp>
+        <p:nvGrpSpPr>
+          <p:cNvPr id="26" name="Group 25">
+            <a:extLst>
+              <a:ext uri="{FF2B5EF4-FFF2-40B4-BE49-F238E27FC236}">
+                <a16:creationId xmlns:a16="http://schemas.microsoft.com/office/drawing/2014/main" id="{A6FF1854-8086-2655-D229-2716D7C35A2F}"/>
+              </a:ext>
+            </a:extLst>
+          </p:cNvPr>
+          <p:cNvGrpSpPr/>
+          <p:nvPr/>
+        </p:nvGrpSpPr>
+        <p:grpSpPr>
+          <a:xfrm>
+            <a:off x="1231638" y="1940763"/>
+            <a:ext cx="2817845" cy="3265714"/>
+            <a:chOff x="1306286" y="2323323"/>
+            <a:chExt cx="2817845" cy="3265714"/>
+          </a:xfrm>
+        </p:grpSpPr>
+        <p:sp>
+          <p:nvSpPr>
+            <p:cNvPr id="9" name="Rectangle 8">
+              <a:extLst>
+                <a:ext uri="{FF2B5EF4-FFF2-40B4-BE49-F238E27FC236}">
+                  <a16:creationId xmlns:a16="http://schemas.microsoft.com/office/drawing/2014/main" id="{360905D6-3C1A-F1DD-3852-C188F1D35219}"/>
+                </a:ext>
+              </a:extLst>
+            </p:cNvPr>
+            <p:cNvSpPr/>
+            <p:nvPr/>
+          </p:nvSpPr>
+          <p:spPr>
+            <a:xfrm>
+              <a:off x="1306286" y="2323323"/>
+              <a:ext cx="2817845" cy="3265714"/>
+            </a:xfrm>
+            <a:prstGeom prst="rect">
+              <a:avLst/>
+            </a:prstGeom>
+          </p:spPr>
+          <p:style>
+            <a:lnRef idx="3">
+              <a:schemeClr val="lt1"/>
+            </a:lnRef>
+            <a:fillRef idx="1">
+              <a:schemeClr val="accent1"/>
+            </a:fillRef>
+            <a:effectRef idx="1">
+              <a:schemeClr val="accent1"/>
+            </a:effectRef>
+            <a:fontRef idx="minor">
+              <a:schemeClr val="lt1"/>
+            </a:fontRef>
+          </p:style>
+          <p:txBody>
+            <a:bodyPr rtlCol="0" anchor="ctr"/>
+            <a:lstStyle/>
+            <a:p>
+              <a:pPr algn="ctr"/>
+              <a:endParaRPr lang="en-US" dirty="0"/>
+            </a:p>
+          </p:txBody>
+        </p:sp>
+        <p:grpSp>
+          <p:nvGrpSpPr>
+            <p:cNvPr id="16" name="Group 15">
+              <a:extLst>
+                <a:ext uri="{FF2B5EF4-FFF2-40B4-BE49-F238E27FC236}">
+                  <a16:creationId xmlns:a16="http://schemas.microsoft.com/office/drawing/2014/main" id="{18D4A744-E462-D7E7-071C-6722E90AF239}"/>
+                </a:ext>
+              </a:extLst>
+            </p:cNvPr>
+            <p:cNvGrpSpPr/>
+            <p:nvPr/>
+          </p:nvGrpSpPr>
+          <p:grpSpPr>
+            <a:xfrm>
+              <a:off x="1588050" y="2992953"/>
+              <a:ext cx="2274634" cy="1855432"/>
+              <a:chOff x="1568388" y="2743199"/>
+              <a:chExt cx="2068496" cy="1855432"/>
+            </a:xfrm>
+          </p:grpSpPr>
+          <p:sp>
+            <p:nvSpPr>
+              <p:cNvPr id="13" name="Rectangle 12">
+                <a:extLst>
+                  <a:ext uri="{FF2B5EF4-FFF2-40B4-BE49-F238E27FC236}">
+                    <a16:creationId xmlns:a16="http://schemas.microsoft.com/office/drawing/2014/main" id="{CA599A92-852A-4369-6066-9138C74E3766}"/>
+                  </a:ext>
+                </a:extLst>
+              </p:cNvPr>
+              <p:cNvSpPr/>
+              <p:nvPr/>
+            </p:nvSpPr>
+            <p:spPr>
+              <a:xfrm>
+                <a:off x="1568388" y="2743199"/>
+                <a:ext cx="2068496" cy="1855432"/>
+              </a:xfrm>
+              <a:prstGeom prst="rect">
+                <a:avLst/>
+              </a:prstGeom>
+            </p:spPr>
+            <p:style>
+              <a:lnRef idx="3">
+                <a:schemeClr val="lt1"/>
+              </a:lnRef>
+              <a:fillRef idx="1">
+                <a:schemeClr val="accent4"/>
+              </a:fillRef>
+              <a:effectRef idx="1">
+                <a:schemeClr val="accent4"/>
+              </a:effectRef>
+              <a:fontRef idx="minor">
+                <a:schemeClr val="lt1"/>
+              </a:fontRef>
+            </p:style>
+            <p:txBody>
+              <a:bodyPr rtlCol="0" anchor="ctr"/>
+              <a:lstStyle/>
+              <a:p>
+                <a:pPr algn="ctr"/>
+                <a:endParaRPr lang="en-US" dirty="0"/>
+              </a:p>
+            </p:txBody>
+          </p:sp>
+          <p:sp>
+            <p:nvSpPr>
+              <p:cNvPr id="14" name="Rectangle 13">
+                <a:extLst>
+                  <a:ext uri="{FF2B5EF4-FFF2-40B4-BE49-F238E27FC236}">
+                    <a16:creationId xmlns:a16="http://schemas.microsoft.com/office/drawing/2014/main" id="{2436758B-9700-2883-6CA1-53A30F0993A5}"/>
+                  </a:ext>
+                </a:extLst>
+              </p:cNvPr>
+              <p:cNvSpPr/>
+              <p:nvPr/>
+            </p:nvSpPr>
+            <p:spPr>
+              <a:xfrm>
+                <a:off x="1568388" y="2743199"/>
+                <a:ext cx="2068492" cy="594805"/>
+              </a:xfrm>
+              <a:prstGeom prst="rect">
+                <a:avLst/>
+              </a:prstGeom>
+            </p:spPr>
+            <p:style>
+              <a:lnRef idx="1">
+                <a:schemeClr val="accent2"/>
+              </a:lnRef>
+              <a:fillRef idx="2">
+                <a:schemeClr val="accent2"/>
+              </a:fillRef>
+              <a:effectRef idx="1">
+                <a:schemeClr val="accent2"/>
+              </a:effectRef>
+              <a:fontRef idx="minor">
+                <a:schemeClr val="dk1"/>
+              </a:fontRef>
+            </p:style>
+            <p:txBody>
+              <a:bodyPr rtlCol="0" anchor="ctr"/>
+              <a:lstStyle/>
+              <a:p>
+                <a:pPr algn="ctr"/>
+                <a:r>
+                  <a:rPr lang="en-US" sz="2400" b="1" dirty="0"/>
+                  <a:t>Pod</a:t>
+                </a:r>
+              </a:p>
+            </p:txBody>
+          </p:sp>
+          <p:sp>
+            <p:nvSpPr>
+              <p:cNvPr id="15" name="Rectangle 14">
+                <a:extLst>
+                  <a:ext uri="{FF2B5EF4-FFF2-40B4-BE49-F238E27FC236}">
+                    <a16:creationId xmlns:a16="http://schemas.microsoft.com/office/drawing/2014/main" id="{9FF67206-26CD-3517-6DB2-FCE232BDB07A}"/>
+                  </a:ext>
+                </a:extLst>
+              </p:cNvPr>
+              <p:cNvSpPr/>
+              <p:nvPr/>
+            </p:nvSpPr>
+            <p:spPr>
+              <a:xfrm>
+                <a:off x="1748898" y="3497805"/>
+                <a:ext cx="1707472" cy="932152"/>
+              </a:xfrm>
+              <a:prstGeom prst="rect">
+                <a:avLst/>
+              </a:prstGeom>
+              <a:solidFill>
+                <a:schemeClr val="accent2"/>
+              </a:solidFill>
+              <a:ln>
+                <a:noFill/>
+              </a:ln>
+            </p:spPr>
+            <p:style>
+              <a:lnRef idx="0">
+                <a:scrgbClr r="0" g="0" b="0"/>
+              </a:lnRef>
+              <a:fillRef idx="0">
+                <a:scrgbClr r="0" g="0" b="0"/>
+              </a:fillRef>
+              <a:effectRef idx="0">
+                <a:scrgbClr r="0" g="0" b="0"/>
+              </a:effectRef>
+              <a:fontRef idx="minor">
+                <a:schemeClr val="lt1"/>
+              </a:fontRef>
+            </p:style>
+            <p:txBody>
+              <a:bodyPr rtlCol="0" anchor="ctr"/>
+              <a:lstStyle/>
+              <a:p>
+                <a:pPr algn="ctr"/>
+                <a:r>
+                  <a:rPr lang="en-US" sz="1600" b="1" dirty="0"/>
+                  <a:t>Container running Post Image</a:t>
+                </a:r>
+              </a:p>
+            </p:txBody>
+          </p:sp>
+        </p:grpSp>
+        <p:sp>
+          <p:nvSpPr>
+            <p:cNvPr id="10" name="TextBox 9">
+              <a:extLst>
+                <a:ext uri="{FF2B5EF4-FFF2-40B4-BE49-F238E27FC236}">
+                  <a16:creationId xmlns:a16="http://schemas.microsoft.com/office/drawing/2014/main" id="{56C3FD98-E839-6CD8-A66E-79F836D118F9}"/>
+                </a:ext>
+              </a:extLst>
+            </p:cNvPr>
+            <p:cNvSpPr txBox="1"/>
+            <p:nvPr/>
+          </p:nvSpPr>
+          <p:spPr>
+            <a:xfrm>
+              <a:off x="2163614" y="2356105"/>
+              <a:ext cx="1103187" cy="584775"/>
+            </a:xfrm>
+            <a:prstGeom prst="rect">
+              <a:avLst/>
+            </a:prstGeom>
+            <a:noFill/>
+          </p:spPr>
+          <p:txBody>
+            <a:bodyPr wrap="none" rtlCol="0">
+              <a:spAutoFit/>
+            </a:bodyPr>
+            <a:lstStyle/>
+            <a:p>
+              <a:r>
+                <a:rPr lang="en-US" sz="3200" b="1" dirty="0">
+                  <a:solidFill>
+                    <a:schemeClr val="bg1"/>
+                  </a:solidFill>
+                </a:rPr>
+                <a:t>Node</a:t>
+              </a:r>
+            </a:p>
+          </p:txBody>
+        </p:sp>
+      </p:grpSp>
+      <p:grpSp>
+        <p:nvGrpSpPr>
+          <p:cNvPr id="27" name="Group 26">
+            <a:extLst>
+              <a:ext uri="{FF2B5EF4-FFF2-40B4-BE49-F238E27FC236}">
+                <a16:creationId xmlns:a16="http://schemas.microsoft.com/office/drawing/2014/main" id="{7CD53C34-E8B8-3FF9-2D90-144F272F3F2D}"/>
+              </a:ext>
+            </a:extLst>
+          </p:cNvPr>
+          <p:cNvGrpSpPr/>
+          <p:nvPr/>
+        </p:nvGrpSpPr>
+        <p:grpSpPr>
+          <a:xfrm>
+            <a:off x="4612426" y="1940763"/>
+            <a:ext cx="2817845" cy="3265714"/>
+            <a:chOff x="1306286" y="2323323"/>
+            <a:chExt cx="2817845" cy="3265714"/>
+          </a:xfrm>
+        </p:grpSpPr>
+        <p:sp>
+          <p:nvSpPr>
+            <p:cNvPr id="28" name="Rectangle 27">
+              <a:extLst>
+                <a:ext uri="{FF2B5EF4-FFF2-40B4-BE49-F238E27FC236}">
+                  <a16:creationId xmlns:a16="http://schemas.microsoft.com/office/drawing/2014/main" id="{CF727D10-1FAB-F955-F6AE-690924D03B81}"/>
+                </a:ext>
+              </a:extLst>
+            </p:cNvPr>
+            <p:cNvSpPr/>
+            <p:nvPr/>
+          </p:nvSpPr>
+          <p:spPr>
+            <a:xfrm>
+              <a:off x="1306286" y="2323323"/>
+              <a:ext cx="2817845" cy="3265714"/>
+            </a:xfrm>
+            <a:prstGeom prst="rect">
+              <a:avLst/>
+            </a:prstGeom>
+          </p:spPr>
+          <p:style>
+            <a:lnRef idx="3">
+              <a:schemeClr val="lt1"/>
+            </a:lnRef>
+            <a:fillRef idx="1">
+              <a:schemeClr val="accent1"/>
+            </a:fillRef>
+            <a:effectRef idx="1">
+              <a:schemeClr val="accent1"/>
+            </a:effectRef>
+            <a:fontRef idx="minor">
+              <a:schemeClr val="lt1"/>
+            </a:fontRef>
+          </p:style>
+          <p:txBody>
+            <a:bodyPr rtlCol="0" anchor="ctr"/>
+            <a:lstStyle/>
+            <a:p>
+              <a:pPr algn="ctr"/>
+              <a:endParaRPr lang="en-US" dirty="0"/>
+            </a:p>
+          </p:txBody>
+        </p:sp>
+        <p:grpSp>
+          <p:nvGrpSpPr>
+            <p:cNvPr id="29" name="Group 28">
+              <a:extLst>
+                <a:ext uri="{FF2B5EF4-FFF2-40B4-BE49-F238E27FC236}">
+                  <a16:creationId xmlns:a16="http://schemas.microsoft.com/office/drawing/2014/main" id="{72F19407-9A18-F203-6851-A6CE951EFADD}"/>
+                </a:ext>
+              </a:extLst>
+            </p:cNvPr>
+            <p:cNvGrpSpPr/>
+            <p:nvPr/>
+          </p:nvGrpSpPr>
+          <p:grpSpPr>
+            <a:xfrm>
+              <a:off x="1588050" y="2992953"/>
+              <a:ext cx="2274634" cy="1855432"/>
+              <a:chOff x="1568388" y="2743199"/>
+              <a:chExt cx="2068496" cy="1855432"/>
+            </a:xfrm>
+          </p:grpSpPr>
+          <p:sp>
+            <p:nvSpPr>
+              <p:cNvPr id="31" name="Rectangle 30">
+                <a:extLst>
+                  <a:ext uri="{FF2B5EF4-FFF2-40B4-BE49-F238E27FC236}">
+                    <a16:creationId xmlns:a16="http://schemas.microsoft.com/office/drawing/2014/main" id="{FA9ACE07-E139-D3A4-39E2-2A4C8E418706}"/>
+                  </a:ext>
+                </a:extLst>
+              </p:cNvPr>
+              <p:cNvSpPr/>
+              <p:nvPr/>
+            </p:nvSpPr>
+            <p:spPr>
+              <a:xfrm>
+                <a:off x="1568388" y="2743199"/>
+                <a:ext cx="2068496" cy="1855432"/>
+              </a:xfrm>
+              <a:prstGeom prst="rect">
+                <a:avLst/>
+              </a:prstGeom>
+            </p:spPr>
+            <p:style>
+              <a:lnRef idx="3">
+                <a:schemeClr val="lt1"/>
+              </a:lnRef>
+              <a:fillRef idx="1">
+                <a:schemeClr val="accent4"/>
+              </a:fillRef>
+              <a:effectRef idx="1">
+                <a:schemeClr val="accent4"/>
+              </a:effectRef>
+              <a:fontRef idx="minor">
+                <a:schemeClr val="lt1"/>
+              </a:fontRef>
+            </p:style>
+            <p:txBody>
+              <a:bodyPr rtlCol="0" anchor="ctr"/>
+              <a:lstStyle/>
+              <a:p>
+                <a:pPr algn="ctr"/>
+                <a:endParaRPr lang="en-US" dirty="0"/>
+              </a:p>
+            </p:txBody>
+          </p:sp>
+          <p:sp>
+            <p:nvSpPr>
+              <p:cNvPr id="32" name="Rectangle 31">
+                <a:extLst>
+                  <a:ext uri="{FF2B5EF4-FFF2-40B4-BE49-F238E27FC236}">
+                    <a16:creationId xmlns:a16="http://schemas.microsoft.com/office/drawing/2014/main" id="{22B49C79-3B73-30B3-EA95-EBD38728B624}"/>
+                  </a:ext>
+                </a:extLst>
+              </p:cNvPr>
+              <p:cNvSpPr/>
+              <p:nvPr/>
+            </p:nvSpPr>
+            <p:spPr>
+              <a:xfrm>
+                <a:off x="1568388" y="2743199"/>
+                <a:ext cx="2068492" cy="594805"/>
+              </a:xfrm>
+              <a:prstGeom prst="rect">
+                <a:avLst/>
+              </a:prstGeom>
+            </p:spPr>
+            <p:style>
+              <a:lnRef idx="1">
+                <a:schemeClr val="accent2"/>
+              </a:lnRef>
+              <a:fillRef idx="2">
+                <a:schemeClr val="accent2"/>
+              </a:fillRef>
+              <a:effectRef idx="1">
+                <a:schemeClr val="accent2"/>
+              </a:effectRef>
+              <a:fontRef idx="minor">
+                <a:schemeClr val="dk1"/>
+              </a:fontRef>
+            </p:style>
+            <p:txBody>
+              <a:bodyPr rtlCol="0" anchor="ctr"/>
+              <a:lstStyle/>
+              <a:p>
+                <a:pPr algn="ctr"/>
+                <a:r>
+                  <a:rPr lang="en-US" sz="2400" b="1" dirty="0"/>
+                  <a:t>Pod</a:t>
+                </a:r>
+              </a:p>
+            </p:txBody>
+          </p:sp>
+          <p:sp>
+            <p:nvSpPr>
+              <p:cNvPr id="33" name="Rectangle 32">
+                <a:extLst>
+                  <a:ext uri="{FF2B5EF4-FFF2-40B4-BE49-F238E27FC236}">
+                    <a16:creationId xmlns:a16="http://schemas.microsoft.com/office/drawing/2014/main" id="{1A331C13-E53E-DA4A-D8FD-E7E082BDE0AE}"/>
+                  </a:ext>
+                </a:extLst>
+              </p:cNvPr>
+              <p:cNvSpPr/>
+              <p:nvPr/>
+            </p:nvSpPr>
+            <p:spPr>
+              <a:xfrm>
+                <a:off x="1748898" y="3497805"/>
+                <a:ext cx="1707472" cy="932152"/>
+              </a:xfrm>
+              <a:prstGeom prst="rect">
+                <a:avLst/>
+              </a:prstGeom>
+              <a:solidFill>
+                <a:schemeClr val="accent2"/>
+              </a:solidFill>
+              <a:ln>
+                <a:noFill/>
+              </a:ln>
+            </p:spPr>
+            <p:style>
+              <a:lnRef idx="0">
+                <a:scrgbClr r="0" g="0" b="0"/>
+              </a:lnRef>
+              <a:fillRef idx="0">
+                <a:scrgbClr r="0" g="0" b="0"/>
+              </a:fillRef>
+              <a:effectRef idx="0">
+                <a:scrgbClr r="0" g="0" b="0"/>
+              </a:effectRef>
+              <a:fontRef idx="minor">
+                <a:schemeClr val="lt1"/>
+              </a:fontRef>
+            </p:style>
+            <p:txBody>
+              <a:bodyPr rtlCol="0" anchor="ctr"/>
+              <a:lstStyle/>
+              <a:p>
+                <a:pPr algn="ctr"/>
+                <a:r>
+                  <a:rPr lang="en-US" sz="1600" b="1" dirty="0"/>
+                  <a:t>Container running Post Image</a:t>
+                </a:r>
+              </a:p>
+            </p:txBody>
+          </p:sp>
+        </p:grpSp>
+        <p:sp>
+          <p:nvSpPr>
+            <p:cNvPr id="30" name="TextBox 29">
+              <a:extLst>
+                <a:ext uri="{FF2B5EF4-FFF2-40B4-BE49-F238E27FC236}">
+                  <a16:creationId xmlns:a16="http://schemas.microsoft.com/office/drawing/2014/main" id="{4BE536B9-C675-6F14-CBC3-64966B5D7FBE}"/>
+                </a:ext>
+              </a:extLst>
+            </p:cNvPr>
+            <p:cNvSpPr txBox="1"/>
+            <p:nvPr/>
+          </p:nvSpPr>
+          <p:spPr>
+            <a:xfrm>
+              <a:off x="2163614" y="2356105"/>
+              <a:ext cx="1103187" cy="584775"/>
+            </a:xfrm>
+            <a:prstGeom prst="rect">
+              <a:avLst/>
+            </a:prstGeom>
+            <a:noFill/>
+          </p:spPr>
+          <p:txBody>
+            <a:bodyPr wrap="none" rtlCol="0">
+              <a:spAutoFit/>
+            </a:bodyPr>
+            <a:lstStyle/>
+            <a:p>
+              <a:r>
+                <a:rPr lang="en-US" sz="3200" b="1" dirty="0">
+                  <a:solidFill>
+                    <a:schemeClr val="bg1"/>
+                  </a:solidFill>
+                </a:rPr>
+                <a:t>Node</a:t>
+              </a:r>
+            </a:p>
+          </p:txBody>
+        </p:sp>
+      </p:grpSp>
+      <p:grpSp>
+        <p:nvGrpSpPr>
+          <p:cNvPr id="34" name="Group 33">
+            <a:extLst>
+              <a:ext uri="{FF2B5EF4-FFF2-40B4-BE49-F238E27FC236}">
+                <a16:creationId xmlns:a16="http://schemas.microsoft.com/office/drawing/2014/main" id="{EE327C8E-334F-4518-E669-BB9B2D3076BC}"/>
+              </a:ext>
+            </a:extLst>
+          </p:cNvPr>
+          <p:cNvGrpSpPr/>
+          <p:nvPr/>
+        </p:nvGrpSpPr>
+        <p:grpSpPr>
+          <a:xfrm>
+            <a:off x="8198676" y="1940763"/>
+            <a:ext cx="2817845" cy="3265714"/>
+            <a:chOff x="1306286" y="2323323"/>
+            <a:chExt cx="2817845" cy="3265714"/>
+          </a:xfrm>
+        </p:grpSpPr>
+        <p:sp>
+          <p:nvSpPr>
+            <p:cNvPr id="35" name="Rectangle 34">
+              <a:extLst>
+                <a:ext uri="{FF2B5EF4-FFF2-40B4-BE49-F238E27FC236}">
+                  <a16:creationId xmlns:a16="http://schemas.microsoft.com/office/drawing/2014/main" id="{DA723F56-F84A-E3F2-31A2-9A04C2BAD85A}"/>
+                </a:ext>
+              </a:extLst>
+            </p:cNvPr>
+            <p:cNvSpPr/>
+            <p:nvPr/>
+          </p:nvSpPr>
+          <p:spPr>
+            <a:xfrm>
+              <a:off x="1306286" y="2323323"/>
+              <a:ext cx="2817845" cy="3265714"/>
+            </a:xfrm>
+            <a:prstGeom prst="rect">
+              <a:avLst/>
+            </a:prstGeom>
+          </p:spPr>
+          <p:style>
+            <a:lnRef idx="3">
+              <a:schemeClr val="lt1"/>
+            </a:lnRef>
+            <a:fillRef idx="1">
+              <a:schemeClr val="accent1"/>
+            </a:fillRef>
+            <a:effectRef idx="1">
+              <a:schemeClr val="accent1"/>
+            </a:effectRef>
+            <a:fontRef idx="minor">
+              <a:schemeClr val="lt1"/>
+            </a:fontRef>
+          </p:style>
+          <p:txBody>
+            <a:bodyPr rtlCol="0" anchor="ctr"/>
+            <a:lstStyle/>
+            <a:p>
+              <a:pPr algn="ctr"/>
+              <a:endParaRPr lang="en-US" dirty="0"/>
+            </a:p>
+          </p:txBody>
+        </p:sp>
+        <p:grpSp>
+          <p:nvGrpSpPr>
+            <p:cNvPr id="36" name="Group 35">
+              <a:extLst>
+                <a:ext uri="{FF2B5EF4-FFF2-40B4-BE49-F238E27FC236}">
+                  <a16:creationId xmlns:a16="http://schemas.microsoft.com/office/drawing/2014/main" id="{5714F75B-4129-0CDA-59E4-B24F2CEBF324}"/>
+                </a:ext>
+              </a:extLst>
+            </p:cNvPr>
+            <p:cNvGrpSpPr/>
+            <p:nvPr/>
+          </p:nvGrpSpPr>
+          <p:grpSpPr>
+            <a:xfrm>
+              <a:off x="1588050" y="2992953"/>
+              <a:ext cx="2274634" cy="1855432"/>
+              <a:chOff x="1568388" y="2743199"/>
+              <a:chExt cx="2068496" cy="1855432"/>
+            </a:xfrm>
+          </p:grpSpPr>
+          <p:sp>
+            <p:nvSpPr>
+              <p:cNvPr id="38" name="Rectangle 37">
+                <a:extLst>
+                  <a:ext uri="{FF2B5EF4-FFF2-40B4-BE49-F238E27FC236}">
+                    <a16:creationId xmlns:a16="http://schemas.microsoft.com/office/drawing/2014/main" id="{F33D8832-C124-A970-0D44-AAC5ED917350}"/>
+                  </a:ext>
+                </a:extLst>
+              </p:cNvPr>
+              <p:cNvSpPr/>
+              <p:nvPr/>
+            </p:nvSpPr>
+            <p:spPr>
+              <a:xfrm>
+                <a:off x="1568388" y="2743199"/>
+                <a:ext cx="2068496" cy="1855432"/>
+              </a:xfrm>
+              <a:prstGeom prst="rect">
+                <a:avLst/>
+              </a:prstGeom>
+            </p:spPr>
+            <p:style>
+              <a:lnRef idx="3">
+                <a:schemeClr val="lt1"/>
+              </a:lnRef>
+              <a:fillRef idx="1">
+                <a:schemeClr val="accent4"/>
+              </a:fillRef>
+              <a:effectRef idx="1">
+                <a:schemeClr val="accent4"/>
+              </a:effectRef>
+              <a:fontRef idx="minor">
+                <a:schemeClr val="lt1"/>
+              </a:fontRef>
+            </p:style>
+            <p:txBody>
+              <a:bodyPr rtlCol="0" anchor="ctr"/>
+              <a:lstStyle/>
+              <a:p>
+                <a:pPr algn="ctr"/>
+                <a:endParaRPr lang="en-US" dirty="0"/>
+              </a:p>
+            </p:txBody>
+          </p:sp>
+          <p:sp>
+            <p:nvSpPr>
+              <p:cNvPr id="39" name="Rectangle 38">
+                <a:extLst>
+                  <a:ext uri="{FF2B5EF4-FFF2-40B4-BE49-F238E27FC236}">
+                    <a16:creationId xmlns:a16="http://schemas.microsoft.com/office/drawing/2014/main" id="{08DCB70C-452A-E17C-65A0-BAA2B2D4516A}"/>
+                  </a:ext>
+                </a:extLst>
+              </p:cNvPr>
+              <p:cNvSpPr/>
+              <p:nvPr/>
+            </p:nvSpPr>
+            <p:spPr>
+              <a:xfrm>
+                <a:off x="1568388" y="2743199"/>
+                <a:ext cx="2068492" cy="594805"/>
+              </a:xfrm>
+              <a:prstGeom prst="rect">
+                <a:avLst/>
+              </a:prstGeom>
+            </p:spPr>
+            <p:style>
+              <a:lnRef idx="1">
+                <a:schemeClr val="accent2"/>
+              </a:lnRef>
+              <a:fillRef idx="2">
+                <a:schemeClr val="accent2"/>
+              </a:fillRef>
+              <a:effectRef idx="1">
+                <a:schemeClr val="accent2"/>
+              </a:effectRef>
+              <a:fontRef idx="minor">
+                <a:schemeClr val="dk1"/>
+              </a:fontRef>
+            </p:style>
+            <p:txBody>
+              <a:bodyPr rtlCol="0" anchor="ctr"/>
+              <a:lstStyle/>
+              <a:p>
+                <a:pPr algn="ctr"/>
+                <a:r>
+                  <a:rPr lang="en-US" sz="2400" b="1" dirty="0"/>
+                  <a:t>Pod</a:t>
+                </a:r>
+              </a:p>
+            </p:txBody>
+          </p:sp>
+          <p:sp>
+            <p:nvSpPr>
+              <p:cNvPr id="40" name="Rectangle 39">
+                <a:extLst>
+                  <a:ext uri="{FF2B5EF4-FFF2-40B4-BE49-F238E27FC236}">
+                    <a16:creationId xmlns:a16="http://schemas.microsoft.com/office/drawing/2014/main" id="{557047D3-B536-C4B5-B9FA-A6BE23B29266}"/>
+                  </a:ext>
+                </a:extLst>
+              </p:cNvPr>
+              <p:cNvSpPr/>
+              <p:nvPr/>
+            </p:nvSpPr>
+            <p:spPr>
+              <a:xfrm>
+                <a:off x="1748898" y="3497805"/>
+                <a:ext cx="1707472" cy="932152"/>
+              </a:xfrm>
+              <a:prstGeom prst="rect">
+                <a:avLst/>
+              </a:prstGeom>
+              <a:solidFill>
+                <a:schemeClr val="accent2"/>
+              </a:solidFill>
+              <a:ln>
+                <a:noFill/>
+              </a:ln>
+            </p:spPr>
+            <p:style>
+              <a:lnRef idx="0">
+                <a:scrgbClr r="0" g="0" b="0"/>
+              </a:lnRef>
+              <a:fillRef idx="0">
+                <a:scrgbClr r="0" g="0" b="0"/>
+              </a:fillRef>
+              <a:effectRef idx="0">
+                <a:scrgbClr r="0" g="0" b="0"/>
+              </a:effectRef>
+              <a:fontRef idx="minor">
+                <a:schemeClr val="lt1"/>
+              </a:fontRef>
+            </p:style>
+            <p:txBody>
+              <a:bodyPr rtlCol="0" anchor="ctr"/>
+              <a:lstStyle/>
+              <a:p>
+                <a:pPr algn="ctr"/>
+                <a:r>
+                  <a:rPr lang="en-US" sz="1600" b="1" dirty="0"/>
+                  <a:t>Container running Post Image</a:t>
+                </a:r>
+              </a:p>
+            </p:txBody>
+          </p:sp>
+        </p:grpSp>
+        <p:sp>
+          <p:nvSpPr>
+            <p:cNvPr id="37" name="TextBox 36">
+              <a:extLst>
+                <a:ext uri="{FF2B5EF4-FFF2-40B4-BE49-F238E27FC236}">
+                  <a16:creationId xmlns:a16="http://schemas.microsoft.com/office/drawing/2014/main" id="{7B3ACE22-74DE-41FE-EDE5-944F4632B905}"/>
+                </a:ext>
+              </a:extLst>
+            </p:cNvPr>
+            <p:cNvSpPr txBox="1"/>
+            <p:nvPr/>
+          </p:nvSpPr>
+          <p:spPr>
+            <a:xfrm>
+              <a:off x="2163614" y="2356105"/>
+              <a:ext cx="1103187" cy="584775"/>
+            </a:xfrm>
+            <a:prstGeom prst="rect">
+              <a:avLst/>
+            </a:prstGeom>
+            <a:noFill/>
+          </p:spPr>
+          <p:txBody>
+            <a:bodyPr wrap="none" rtlCol="0">
+              <a:spAutoFit/>
+            </a:bodyPr>
+            <a:lstStyle/>
+            <a:p>
+              <a:r>
+                <a:rPr lang="en-US" sz="3200" b="1" dirty="0">
+                  <a:solidFill>
+                    <a:schemeClr val="bg1"/>
+                  </a:solidFill>
+                </a:rPr>
+                <a:t>Node</a:t>
+              </a:r>
+            </a:p>
+          </p:txBody>
+        </p:sp>
+      </p:grpSp>
+      <p:sp>
+        <p:nvSpPr>
+          <p:cNvPr id="41" name="Rectangle 40">
+            <a:extLst>
+              <a:ext uri="{FF2B5EF4-FFF2-40B4-BE49-F238E27FC236}">
+                <a16:creationId xmlns:a16="http://schemas.microsoft.com/office/drawing/2014/main" id="{422F07F1-25B6-7A11-2EFE-E17980336B08}"/>
+              </a:ext>
+            </a:extLst>
+          </p:cNvPr>
+          <p:cNvSpPr/>
+          <p:nvPr/>
+        </p:nvSpPr>
+        <p:spPr>
+          <a:xfrm>
+            <a:off x="1513402" y="4954553"/>
+            <a:ext cx="9241668" cy="639897"/>
+          </a:xfrm>
+          <a:prstGeom prst="rect">
+            <a:avLst/>
+          </a:prstGeom>
+          <a:solidFill>
+            <a:schemeClr val="accent2">
+              <a:alpha val="50000"/>
+            </a:schemeClr>
+          </a:solidFill>
+          <a:ln>
+            <a:noFill/>
+          </a:ln>
+        </p:spPr>
+        <p:style>
+          <a:lnRef idx="0">
+            <a:scrgbClr r="0" g="0" b="0"/>
+          </a:lnRef>
+          <a:fillRef idx="0">
+            <a:scrgbClr r="0" g="0" b="0"/>
+          </a:fillRef>
+          <a:effectRef idx="0">
+            <a:scrgbClr r="0" g="0" b="0"/>
+          </a:effectRef>
+          <a:fontRef idx="minor">
+            <a:schemeClr val="lt1"/>
+          </a:fontRef>
+        </p:style>
+        <p:txBody>
+          <a:bodyPr rtlCol="0" anchor="ctr"/>
+          <a:lstStyle/>
+          <a:p>
+            <a:pPr algn="ctr"/>
+            <a:r>
+              <a:rPr lang="en-US" sz="2800" b="1" dirty="0"/>
+              <a:t>Services</a:t>
+            </a:r>
+          </a:p>
+        </p:txBody>
+      </p:sp>
+      <p:cxnSp>
+        <p:nvCxnSpPr>
+          <p:cNvPr id="43" name="Straight Arrow Connector 42">
+            <a:extLst>
+              <a:ext uri="{FF2B5EF4-FFF2-40B4-BE49-F238E27FC236}">
+                <a16:creationId xmlns:a16="http://schemas.microsoft.com/office/drawing/2014/main" id="{50E615B7-CE68-DA3E-47D5-128D29EE7467}"/>
+              </a:ext>
+            </a:extLst>
+          </p:cNvPr>
+          <p:cNvCxnSpPr/>
+          <p:nvPr/>
+        </p:nvCxnSpPr>
+        <p:spPr>
+          <a:xfrm flipV="1">
+            <a:off x="2631233" y="4465825"/>
+            <a:ext cx="0" cy="488728"/>
+          </a:xfrm>
+          <a:prstGeom prst="straightConnector1">
+            <a:avLst/>
+          </a:prstGeom>
+          <a:ln w="38100">
+            <a:tailEnd type="triangle"/>
+          </a:ln>
+        </p:spPr>
+        <p:style>
+          <a:lnRef idx="3">
+            <a:schemeClr val="accent2"/>
+          </a:lnRef>
+          <a:fillRef idx="0">
+            <a:schemeClr val="accent2"/>
+          </a:fillRef>
+          <a:effectRef idx="2">
+            <a:schemeClr val="accent2"/>
+          </a:effectRef>
+          <a:fontRef idx="minor">
+            <a:schemeClr val="tx1"/>
+          </a:fontRef>
+        </p:style>
+      </p:cxnSp>
+      <p:cxnSp>
+        <p:nvCxnSpPr>
+          <p:cNvPr id="44" name="Straight Arrow Connector 43">
+            <a:extLst>
+              <a:ext uri="{FF2B5EF4-FFF2-40B4-BE49-F238E27FC236}">
+                <a16:creationId xmlns:a16="http://schemas.microsoft.com/office/drawing/2014/main" id="{D7CA8C94-78CC-E0DF-9916-648A98868B84}"/>
+              </a:ext>
+            </a:extLst>
+          </p:cNvPr>
+          <p:cNvCxnSpPr/>
+          <p:nvPr/>
+        </p:nvCxnSpPr>
+        <p:spPr>
+          <a:xfrm flipV="1">
+            <a:off x="6027576" y="4465825"/>
+            <a:ext cx="0" cy="488728"/>
+          </a:xfrm>
+          <a:prstGeom prst="straightConnector1">
+            <a:avLst/>
+          </a:prstGeom>
+          <a:ln w="38100">
+            <a:tailEnd type="triangle"/>
+          </a:ln>
+        </p:spPr>
+        <p:style>
+          <a:lnRef idx="3">
+            <a:schemeClr val="accent2"/>
+          </a:lnRef>
+          <a:fillRef idx="0">
+            <a:schemeClr val="accent2"/>
+          </a:fillRef>
+          <a:effectRef idx="2">
+            <a:schemeClr val="accent2"/>
+          </a:effectRef>
+          <a:fontRef idx="minor">
+            <a:schemeClr val="tx1"/>
+          </a:fontRef>
+        </p:style>
+      </p:cxnSp>
+      <p:cxnSp>
+        <p:nvCxnSpPr>
+          <p:cNvPr id="45" name="Straight Arrow Connector 44">
+            <a:extLst>
+              <a:ext uri="{FF2B5EF4-FFF2-40B4-BE49-F238E27FC236}">
+                <a16:creationId xmlns:a16="http://schemas.microsoft.com/office/drawing/2014/main" id="{968EF22C-3F85-CEF0-B4C2-1F0DB0D04CA5}"/>
+              </a:ext>
+            </a:extLst>
+          </p:cNvPr>
+          <p:cNvCxnSpPr/>
+          <p:nvPr/>
+        </p:nvCxnSpPr>
+        <p:spPr>
+          <a:xfrm flipV="1">
+            <a:off x="9629192" y="4465825"/>
+            <a:ext cx="0" cy="488728"/>
+          </a:xfrm>
+          <a:prstGeom prst="straightConnector1">
+            <a:avLst/>
+          </a:prstGeom>
+          <a:ln w="38100">
+            <a:tailEnd type="triangle"/>
+          </a:ln>
+        </p:spPr>
+        <p:style>
+          <a:lnRef idx="3">
+            <a:schemeClr val="accent2"/>
+          </a:lnRef>
+          <a:fillRef idx="0">
+            <a:schemeClr val="accent2"/>
+          </a:fillRef>
+          <a:effectRef idx="2">
+            <a:schemeClr val="accent2"/>
+          </a:effectRef>
+          <a:fontRef idx="minor">
+            <a:schemeClr val="tx1"/>
+          </a:fontRef>
+        </p:style>
+      </p:cxnSp>
+    </p:spTree>
+    <p:extLst>
+      <p:ext uri="{BB962C8B-B14F-4D97-AF65-F5344CB8AC3E}">
+        <p14:creationId xmlns:p14="http://schemas.microsoft.com/office/powerpoint/2010/main" val="4045211622"/>
+      </p:ext>
+    </p:extLst>
+  </p:cSld>
+  <p:clrMapOvr>
+    <a:masterClrMapping/>
+  </p:clrMapOvr>
+</p:sld>
+</file>
+
+<file path=ppt/slides/slide12.xml><?xml version="1.0" encoding="utf-8"?>
+<p:sld xmlns:a="http://schemas.openxmlformats.org/drawingml/2006/main" xmlns:r="http://schemas.openxmlformats.org/officeDocument/2006/relationships" xmlns:p="http://schemas.openxmlformats.org/presentationml/2006/main">
+  <p:cSld>
+    <p:spTree>
+      <p:nvGrpSpPr>
+        <p:cNvPr id="1" name=""/>
+        <p:cNvGrpSpPr/>
+        <p:nvPr/>
+      </p:nvGrpSpPr>
+      <p:grpSpPr>
+        <a:xfrm>
+          <a:off x="0" y="0"/>
+          <a:ext cx="0" cy="0"/>
+          <a:chOff x="0" y="0"/>
+          <a:chExt cx="0" cy="0"/>
+        </a:xfrm>
+      </p:grpSpPr>
+      <p:sp>
+        <p:nvSpPr>
+          <p:cNvPr id="2" name="Title 1">
+            <a:extLst>
+              <a:ext uri="{FF2B5EF4-FFF2-40B4-BE49-F238E27FC236}">
+                <a16:creationId xmlns:a16="http://schemas.microsoft.com/office/drawing/2014/main" id="{58B814F0-1F56-F60C-1B49-422B1726C47F}"/>
+              </a:ext>
+            </a:extLst>
+          </p:cNvPr>
+          <p:cNvSpPr>
+            <a:spLocks noGrp="1"/>
+          </p:cNvSpPr>
+          <p:nvPr>
+            <p:ph type="title"/>
+          </p:nvPr>
+        </p:nvSpPr>
+        <p:spPr>
+          <a:xfrm>
             <a:off x="1053545" y="1230583"/>
             <a:ext cx="10084904" cy="960092"/>
           </a:xfrm>
@@ -6485,6 +7582,1542 @@
     <p:extLst>
       <p:ext uri="{BB962C8B-B14F-4D97-AF65-F5344CB8AC3E}">
         <p14:creationId xmlns:p14="http://schemas.microsoft.com/office/powerpoint/2010/main" val="178309894"/>
+      </p:ext>
+    </p:extLst>
+  </p:cSld>
+  <p:clrMapOvr>
+    <a:masterClrMapping/>
+  </p:clrMapOvr>
+</p:sld>
+</file>
+
+<file path=ppt/slides/slide13.xml><?xml version="1.0" encoding="utf-8"?>
+<p:sld xmlns:a="http://schemas.openxmlformats.org/drawingml/2006/main" xmlns:r="http://schemas.openxmlformats.org/officeDocument/2006/relationships" xmlns:p="http://schemas.openxmlformats.org/presentationml/2006/main">
+  <p:cSld>
+    <p:spTree>
+      <p:nvGrpSpPr>
+        <p:cNvPr id="1" name=""/>
+        <p:cNvGrpSpPr/>
+        <p:nvPr/>
+      </p:nvGrpSpPr>
+      <p:grpSpPr>
+        <a:xfrm>
+          <a:off x="0" y="0"/>
+          <a:ext cx="0" cy="0"/>
+          <a:chOff x="0" y="0"/>
+          <a:chExt cx="0" cy="0"/>
+        </a:xfrm>
+      </p:grpSpPr>
+      <p:sp>
+        <p:nvSpPr>
+          <p:cNvPr id="2" name="Title 1">
+            <a:extLst>
+              <a:ext uri="{FF2B5EF4-FFF2-40B4-BE49-F238E27FC236}">
+                <a16:creationId xmlns:a16="http://schemas.microsoft.com/office/drawing/2014/main" id="{58B814F0-1F56-F60C-1B49-422B1726C47F}"/>
+              </a:ext>
+            </a:extLst>
+          </p:cNvPr>
+          <p:cNvSpPr>
+            <a:spLocks noGrp="1"/>
+          </p:cNvSpPr>
+          <p:nvPr>
+            <p:ph type="title"/>
+          </p:nvPr>
+        </p:nvSpPr>
+        <p:spPr>
+          <a:xfrm>
+            <a:off x="3467100" y="272360"/>
+            <a:ext cx="5257800" cy="960092"/>
+          </a:xfrm>
+        </p:spPr>
+        <p:txBody>
+          <a:bodyPr>
+            <a:normAutofit/>
+          </a:bodyPr>
+          <a:lstStyle/>
+          <a:p>
+            <a:pPr algn="ctr"/>
+            <a:r>
+              <a:rPr lang="en-US" sz="4000" b="1" dirty="0"/>
+              <a:t>Node Port Service</a:t>
+            </a:r>
+          </a:p>
+        </p:txBody>
+      </p:sp>
+      <p:sp>
+        <p:nvSpPr>
+          <p:cNvPr id="3" name="Content Placeholder 2">
+            <a:extLst>
+              <a:ext uri="{FF2B5EF4-FFF2-40B4-BE49-F238E27FC236}">
+                <a16:creationId xmlns:a16="http://schemas.microsoft.com/office/drawing/2014/main" id="{8A5352C0-64AD-EC4B-657B-45331D013334}"/>
+              </a:ext>
+            </a:extLst>
+          </p:cNvPr>
+          <p:cNvSpPr>
+            <a:spLocks noGrp="1"/>
+          </p:cNvSpPr>
+          <p:nvPr>
+            <p:ph idx="1"/>
+          </p:nvPr>
+        </p:nvSpPr>
+        <p:spPr>
+          <a:xfrm>
+            <a:off x="1262270" y="1405557"/>
+            <a:ext cx="9737033" cy="4769955"/>
+          </a:xfrm>
+        </p:spPr>
+        <p:txBody>
+          <a:bodyPr>
+            <a:normAutofit/>
+          </a:bodyPr>
+          <a:lstStyle/>
+          <a:p>
+            <a:pPr marL="0" indent="0">
+              <a:buNone/>
+            </a:pPr>
+            <a:r>
+              <a:rPr lang="en-US" sz="1400" b="0" dirty="0" err="1">
+                <a:solidFill>
+                  <a:srgbClr val="569CD6"/>
+                </a:solidFill>
+                <a:effectLst/>
+                <a:latin typeface="Consolas" panose="020B0609020204030204" pitchFamily="49" charset="0"/>
+              </a:rPr>
+              <a:t>apiVersion</a:t>
+            </a:r>
+            <a:r>
+              <a:rPr lang="en-US" sz="1400" b="0" dirty="0">
+                <a:solidFill>
+                  <a:srgbClr val="D4D4D4"/>
+                </a:solidFill>
+                <a:effectLst/>
+                <a:latin typeface="Consolas" panose="020B0609020204030204" pitchFamily="49" charset="0"/>
+              </a:rPr>
+              <a:t>: </a:t>
+            </a:r>
+            <a:r>
+              <a:rPr lang="en-US" sz="1400" b="0" dirty="0">
+                <a:solidFill>
+                  <a:srgbClr val="CE9178"/>
+                </a:solidFill>
+                <a:effectLst/>
+                <a:latin typeface="Consolas" panose="020B0609020204030204" pitchFamily="49" charset="0"/>
+              </a:rPr>
+              <a:t>v1</a:t>
+            </a:r>
+            <a:endParaRPr lang="en-US" sz="1400" b="0" dirty="0">
+              <a:solidFill>
+                <a:srgbClr val="D4D4D4"/>
+              </a:solidFill>
+              <a:effectLst/>
+              <a:latin typeface="Consolas" panose="020B0609020204030204" pitchFamily="49" charset="0"/>
+            </a:endParaRPr>
+          </a:p>
+          <a:p>
+            <a:pPr marL="0" indent="0">
+              <a:buNone/>
+            </a:pPr>
+            <a:r>
+              <a:rPr lang="en-US" sz="1400" b="0" dirty="0">
+                <a:solidFill>
+                  <a:srgbClr val="569CD6"/>
+                </a:solidFill>
+                <a:effectLst/>
+                <a:latin typeface="Consolas" panose="020B0609020204030204" pitchFamily="49" charset="0"/>
+              </a:rPr>
+              <a:t>kind</a:t>
+            </a:r>
+            <a:r>
+              <a:rPr lang="en-US" sz="1400" b="0" dirty="0">
+                <a:solidFill>
+                  <a:srgbClr val="D4D4D4"/>
+                </a:solidFill>
+                <a:effectLst/>
+                <a:latin typeface="Consolas" panose="020B0609020204030204" pitchFamily="49" charset="0"/>
+              </a:rPr>
+              <a:t>: </a:t>
+            </a:r>
+            <a:r>
+              <a:rPr lang="en-US" sz="1400" b="0" dirty="0">
+                <a:solidFill>
+                  <a:srgbClr val="CE9178"/>
+                </a:solidFill>
+                <a:effectLst/>
+                <a:latin typeface="Consolas" panose="020B0609020204030204" pitchFamily="49" charset="0"/>
+              </a:rPr>
+              <a:t>Service</a:t>
+            </a:r>
+            <a:endParaRPr lang="en-US" sz="1400" b="0" dirty="0">
+              <a:solidFill>
+                <a:srgbClr val="D4D4D4"/>
+              </a:solidFill>
+              <a:effectLst/>
+              <a:latin typeface="Consolas" panose="020B0609020204030204" pitchFamily="49" charset="0"/>
+            </a:endParaRPr>
+          </a:p>
+          <a:p>
+            <a:pPr marL="0" indent="0">
+              <a:buNone/>
+            </a:pPr>
+            <a:r>
+              <a:rPr lang="en-US" sz="1400" b="0" dirty="0">
+                <a:solidFill>
+                  <a:srgbClr val="569CD6"/>
+                </a:solidFill>
+                <a:effectLst/>
+                <a:latin typeface="Consolas" panose="020B0609020204030204" pitchFamily="49" charset="0"/>
+              </a:rPr>
+              <a:t>metadata</a:t>
+            </a:r>
+            <a:r>
+              <a:rPr lang="en-US" sz="1400" b="0" dirty="0">
+                <a:solidFill>
+                  <a:srgbClr val="D4D4D4"/>
+                </a:solidFill>
+                <a:effectLst/>
+                <a:latin typeface="Consolas" panose="020B0609020204030204" pitchFamily="49" charset="0"/>
+              </a:rPr>
+              <a:t>:</a:t>
+            </a:r>
+          </a:p>
+          <a:p>
+            <a:pPr marL="0" indent="0">
+              <a:buNone/>
+            </a:pPr>
+            <a:r>
+              <a:rPr lang="en-US" sz="1400" b="0" dirty="0">
+                <a:solidFill>
+                  <a:srgbClr val="D4D4D4"/>
+                </a:solidFill>
+                <a:effectLst/>
+                <a:latin typeface="Consolas" panose="020B0609020204030204" pitchFamily="49" charset="0"/>
+              </a:rPr>
+              <a:t>  </a:t>
+            </a:r>
+            <a:r>
+              <a:rPr lang="en-US" sz="1400" b="0" dirty="0">
+                <a:solidFill>
+                  <a:srgbClr val="569CD6"/>
+                </a:solidFill>
+                <a:effectLst/>
+                <a:latin typeface="Consolas" panose="020B0609020204030204" pitchFamily="49" charset="0"/>
+              </a:rPr>
+              <a:t>name</a:t>
+            </a:r>
+            <a:r>
+              <a:rPr lang="en-US" sz="1400" b="0" dirty="0">
+                <a:solidFill>
+                  <a:srgbClr val="D4D4D4"/>
+                </a:solidFill>
+                <a:effectLst/>
+                <a:latin typeface="Consolas" panose="020B0609020204030204" pitchFamily="49" charset="0"/>
+              </a:rPr>
+              <a:t>: </a:t>
+            </a:r>
+            <a:r>
+              <a:rPr lang="en-US" sz="1400" b="0" dirty="0">
+                <a:solidFill>
+                  <a:srgbClr val="CE9178"/>
+                </a:solidFill>
+                <a:effectLst/>
+                <a:latin typeface="Consolas" panose="020B0609020204030204" pitchFamily="49" charset="0"/>
+              </a:rPr>
+              <a:t>posts-</a:t>
+            </a:r>
+            <a:r>
+              <a:rPr lang="en-US" sz="1400" b="0" dirty="0" err="1">
+                <a:solidFill>
+                  <a:srgbClr val="CE9178"/>
+                </a:solidFill>
+                <a:effectLst/>
+                <a:latin typeface="Consolas" panose="020B0609020204030204" pitchFamily="49" charset="0"/>
+              </a:rPr>
+              <a:t>srv</a:t>
+            </a:r>
+            <a:endParaRPr lang="en-US" sz="1400" b="0" dirty="0">
+              <a:solidFill>
+                <a:srgbClr val="D4D4D4"/>
+              </a:solidFill>
+              <a:effectLst/>
+              <a:latin typeface="Consolas" panose="020B0609020204030204" pitchFamily="49" charset="0"/>
+            </a:endParaRPr>
+          </a:p>
+          <a:p>
+            <a:pPr marL="0" indent="0">
+              <a:buNone/>
+            </a:pPr>
+            <a:r>
+              <a:rPr lang="en-US" sz="1400" b="0" dirty="0">
+                <a:solidFill>
+                  <a:srgbClr val="569CD6"/>
+                </a:solidFill>
+                <a:effectLst/>
+                <a:latin typeface="Consolas" panose="020B0609020204030204" pitchFamily="49" charset="0"/>
+              </a:rPr>
+              <a:t>spec</a:t>
+            </a:r>
+            <a:r>
+              <a:rPr lang="en-US" sz="1400" b="0" dirty="0">
+                <a:solidFill>
+                  <a:srgbClr val="D4D4D4"/>
+                </a:solidFill>
+                <a:effectLst/>
+                <a:latin typeface="Consolas" panose="020B0609020204030204" pitchFamily="49" charset="0"/>
+              </a:rPr>
+              <a:t>:</a:t>
+            </a:r>
+          </a:p>
+          <a:p>
+            <a:pPr marL="0" indent="0">
+              <a:buNone/>
+            </a:pPr>
+            <a:r>
+              <a:rPr lang="en-US" sz="1400" b="0" dirty="0">
+                <a:solidFill>
+                  <a:srgbClr val="D4D4D4"/>
+                </a:solidFill>
+                <a:effectLst/>
+                <a:latin typeface="Consolas" panose="020B0609020204030204" pitchFamily="49" charset="0"/>
+              </a:rPr>
+              <a:t>  </a:t>
+            </a:r>
+            <a:r>
+              <a:rPr lang="en-US" sz="1400" b="0" dirty="0">
+                <a:solidFill>
+                  <a:srgbClr val="569CD6"/>
+                </a:solidFill>
+                <a:effectLst/>
+                <a:latin typeface="Consolas" panose="020B0609020204030204" pitchFamily="49" charset="0"/>
+              </a:rPr>
+              <a:t>type</a:t>
+            </a:r>
+            <a:r>
+              <a:rPr lang="en-US" sz="1400" b="0" dirty="0">
+                <a:solidFill>
+                  <a:srgbClr val="D4D4D4"/>
+                </a:solidFill>
+                <a:effectLst/>
+                <a:latin typeface="Consolas" panose="020B0609020204030204" pitchFamily="49" charset="0"/>
+              </a:rPr>
+              <a:t>: </a:t>
+            </a:r>
+            <a:r>
+              <a:rPr lang="en-US" sz="1400" b="0" dirty="0" err="1">
+                <a:solidFill>
+                  <a:srgbClr val="CE9178"/>
+                </a:solidFill>
+                <a:effectLst/>
+                <a:latin typeface="Consolas" panose="020B0609020204030204" pitchFamily="49" charset="0"/>
+              </a:rPr>
+              <a:t>NodePort</a:t>
+            </a:r>
+            <a:endParaRPr lang="en-US" sz="1400" b="0" dirty="0">
+              <a:solidFill>
+                <a:srgbClr val="D4D4D4"/>
+              </a:solidFill>
+              <a:effectLst/>
+              <a:latin typeface="Consolas" panose="020B0609020204030204" pitchFamily="49" charset="0"/>
+            </a:endParaRPr>
+          </a:p>
+          <a:p>
+            <a:pPr marL="0" indent="0">
+              <a:buNone/>
+            </a:pPr>
+            <a:r>
+              <a:rPr lang="en-US" sz="1400" b="0" dirty="0">
+                <a:solidFill>
+                  <a:srgbClr val="D4D4D4"/>
+                </a:solidFill>
+                <a:effectLst/>
+                <a:latin typeface="Consolas" panose="020B0609020204030204" pitchFamily="49" charset="0"/>
+              </a:rPr>
+              <a:t>  </a:t>
+            </a:r>
+            <a:r>
+              <a:rPr lang="en-US" sz="1400" b="0" dirty="0">
+                <a:solidFill>
+                  <a:srgbClr val="569CD6"/>
+                </a:solidFill>
+                <a:effectLst/>
+                <a:latin typeface="Consolas" panose="020B0609020204030204" pitchFamily="49" charset="0"/>
+              </a:rPr>
+              <a:t>selector</a:t>
+            </a:r>
+            <a:r>
+              <a:rPr lang="en-US" sz="1400" b="0" dirty="0">
+                <a:solidFill>
+                  <a:srgbClr val="D4D4D4"/>
+                </a:solidFill>
+                <a:effectLst/>
+                <a:latin typeface="Consolas" panose="020B0609020204030204" pitchFamily="49" charset="0"/>
+              </a:rPr>
+              <a:t>:   // goal of selector thing -&gt; what port it should actually expose</a:t>
+            </a:r>
+          </a:p>
+          <a:p>
+            <a:pPr marL="0" indent="0">
+              <a:buNone/>
+            </a:pPr>
+            <a:r>
+              <a:rPr lang="en-US" sz="1400" b="0" dirty="0">
+                <a:solidFill>
+                  <a:srgbClr val="D4D4D4"/>
+                </a:solidFill>
+                <a:effectLst/>
+                <a:latin typeface="Consolas" panose="020B0609020204030204" pitchFamily="49" charset="0"/>
+              </a:rPr>
+              <a:t>    </a:t>
+            </a:r>
+            <a:r>
+              <a:rPr lang="en-US" sz="1400" b="0" dirty="0">
+                <a:solidFill>
+                  <a:srgbClr val="569CD6"/>
+                </a:solidFill>
+                <a:effectLst/>
+                <a:latin typeface="Consolas" panose="020B0609020204030204" pitchFamily="49" charset="0"/>
+              </a:rPr>
+              <a:t>app</a:t>
+            </a:r>
+            <a:r>
+              <a:rPr lang="en-US" sz="1400" b="0" dirty="0">
+                <a:solidFill>
+                  <a:srgbClr val="D4D4D4"/>
+                </a:solidFill>
+                <a:effectLst/>
+                <a:latin typeface="Consolas" panose="020B0609020204030204" pitchFamily="49" charset="0"/>
+              </a:rPr>
+              <a:t>: </a:t>
+            </a:r>
+            <a:r>
+              <a:rPr lang="en-US" sz="1400" b="0" dirty="0">
+                <a:solidFill>
+                  <a:srgbClr val="CE9178"/>
+                </a:solidFill>
+                <a:effectLst/>
+                <a:latin typeface="Consolas" panose="020B0609020204030204" pitchFamily="49" charset="0"/>
+              </a:rPr>
+              <a:t>posts  // telling service that try to find all pods with label of app: posts</a:t>
+            </a:r>
+            <a:endParaRPr lang="en-US" sz="1400" b="0" dirty="0">
+              <a:solidFill>
+                <a:srgbClr val="D4D4D4"/>
+              </a:solidFill>
+              <a:effectLst/>
+              <a:latin typeface="Consolas" panose="020B0609020204030204" pitchFamily="49" charset="0"/>
+            </a:endParaRPr>
+          </a:p>
+          <a:p>
+            <a:pPr marL="0" indent="0">
+              <a:buNone/>
+            </a:pPr>
+            <a:r>
+              <a:rPr lang="en-US" sz="1400" b="0" dirty="0">
+                <a:solidFill>
+                  <a:srgbClr val="D4D4D4"/>
+                </a:solidFill>
+                <a:effectLst/>
+                <a:latin typeface="Consolas" panose="020B0609020204030204" pitchFamily="49" charset="0"/>
+              </a:rPr>
+              <a:t>  </a:t>
+            </a:r>
+            <a:r>
+              <a:rPr lang="en-US" sz="1400" b="0" dirty="0">
+                <a:solidFill>
+                  <a:srgbClr val="569CD6"/>
+                </a:solidFill>
+                <a:effectLst/>
+                <a:latin typeface="Consolas" panose="020B0609020204030204" pitchFamily="49" charset="0"/>
+              </a:rPr>
+              <a:t>ports</a:t>
+            </a:r>
+            <a:r>
+              <a:rPr lang="en-US" sz="1400" b="0" dirty="0">
+                <a:solidFill>
+                  <a:srgbClr val="D4D4D4"/>
+                </a:solidFill>
+                <a:effectLst/>
+                <a:latin typeface="Consolas" panose="020B0609020204030204" pitchFamily="49" charset="0"/>
+              </a:rPr>
+              <a:t>:</a:t>
+            </a:r>
+          </a:p>
+          <a:p>
+            <a:pPr marL="0" indent="0">
+              <a:buNone/>
+            </a:pPr>
+            <a:r>
+              <a:rPr lang="en-US" sz="1400" b="0" dirty="0">
+                <a:solidFill>
+                  <a:srgbClr val="D4D4D4"/>
+                </a:solidFill>
+                <a:effectLst/>
+                <a:latin typeface="Consolas" panose="020B0609020204030204" pitchFamily="49" charset="0"/>
+              </a:rPr>
+              <a:t>    - </a:t>
+            </a:r>
+            <a:r>
+              <a:rPr lang="en-US" sz="1400" b="0" dirty="0">
+                <a:solidFill>
+                  <a:srgbClr val="569CD6"/>
+                </a:solidFill>
+                <a:effectLst/>
+                <a:latin typeface="Consolas" panose="020B0609020204030204" pitchFamily="49" charset="0"/>
+              </a:rPr>
+              <a:t>name</a:t>
+            </a:r>
+            <a:r>
+              <a:rPr lang="en-US" sz="1400" b="0" dirty="0">
+                <a:solidFill>
+                  <a:srgbClr val="D4D4D4"/>
+                </a:solidFill>
+                <a:effectLst/>
+                <a:latin typeface="Consolas" panose="020B0609020204030204" pitchFamily="49" charset="0"/>
+              </a:rPr>
+              <a:t>: </a:t>
+            </a:r>
+            <a:r>
+              <a:rPr lang="en-US" sz="1400" b="0" dirty="0">
+                <a:solidFill>
+                  <a:srgbClr val="CE9178"/>
+                </a:solidFill>
+                <a:effectLst/>
+                <a:latin typeface="Consolas" panose="020B0609020204030204" pitchFamily="49" charset="0"/>
+              </a:rPr>
+              <a:t>posts</a:t>
+            </a:r>
+            <a:endParaRPr lang="en-US" sz="1400" b="0" dirty="0">
+              <a:solidFill>
+                <a:srgbClr val="D4D4D4"/>
+              </a:solidFill>
+              <a:effectLst/>
+              <a:latin typeface="Consolas" panose="020B0609020204030204" pitchFamily="49" charset="0"/>
+            </a:endParaRPr>
+          </a:p>
+          <a:p>
+            <a:pPr marL="0" indent="0">
+              <a:buNone/>
+            </a:pPr>
+            <a:r>
+              <a:rPr lang="en-US" sz="1400" b="0" dirty="0">
+                <a:solidFill>
+                  <a:srgbClr val="D4D4D4"/>
+                </a:solidFill>
+                <a:effectLst/>
+                <a:latin typeface="Consolas" panose="020B0609020204030204" pitchFamily="49" charset="0"/>
+              </a:rPr>
+              <a:t>      </a:t>
+            </a:r>
+            <a:r>
+              <a:rPr lang="en-US" sz="1400" b="0" dirty="0">
+                <a:solidFill>
+                  <a:srgbClr val="569CD6"/>
+                </a:solidFill>
+                <a:effectLst/>
+                <a:latin typeface="Consolas" panose="020B0609020204030204" pitchFamily="49" charset="0"/>
+              </a:rPr>
+              <a:t>protocol</a:t>
+            </a:r>
+            <a:r>
+              <a:rPr lang="en-US" sz="1400" b="0" dirty="0">
+                <a:solidFill>
+                  <a:srgbClr val="D4D4D4"/>
+                </a:solidFill>
+                <a:effectLst/>
+                <a:latin typeface="Consolas" panose="020B0609020204030204" pitchFamily="49" charset="0"/>
+              </a:rPr>
+              <a:t>: </a:t>
+            </a:r>
+            <a:r>
+              <a:rPr lang="en-US" sz="1400" b="0" dirty="0">
+                <a:solidFill>
+                  <a:srgbClr val="CE9178"/>
+                </a:solidFill>
+                <a:effectLst/>
+                <a:latin typeface="Consolas" panose="020B0609020204030204" pitchFamily="49" charset="0"/>
+              </a:rPr>
+              <a:t>TCP</a:t>
+            </a:r>
+            <a:endParaRPr lang="en-US" sz="1400" b="0" dirty="0">
+              <a:solidFill>
+                <a:srgbClr val="D4D4D4"/>
+              </a:solidFill>
+              <a:effectLst/>
+              <a:latin typeface="Consolas" panose="020B0609020204030204" pitchFamily="49" charset="0"/>
+            </a:endParaRPr>
+          </a:p>
+          <a:p>
+            <a:pPr marL="0" indent="0">
+              <a:buNone/>
+            </a:pPr>
+            <a:r>
+              <a:rPr lang="en-US" sz="1400" b="0" dirty="0">
+                <a:solidFill>
+                  <a:srgbClr val="D4D4D4"/>
+                </a:solidFill>
+                <a:effectLst/>
+                <a:latin typeface="Consolas" panose="020B0609020204030204" pitchFamily="49" charset="0"/>
+              </a:rPr>
+              <a:t>      </a:t>
+            </a:r>
+            <a:r>
+              <a:rPr lang="en-US" sz="1400" b="0" dirty="0">
+                <a:solidFill>
+                  <a:srgbClr val="569CD6"/>
+                </a:solidFill>
+                <a:effectLst/>
+                <a:latin typeface="Consolas" panose="020B0609020204030204" pitchFamily="49" charset="0"/>
+              </a:rPr>
+              <a:t>port</a:t>
+            </a:r>
+            <a:r>
+              <a:rPr lang="en-US" sz="1400" b="0" dirty="0">
+                <a:solidFill>
+                  <a:srgbClr val="D4D4D4"/>
+                </a:solidFill>
+                <a:effectLst/>
+                <a:latin typeface="Consolas" panose="020B0609020204030204" pitchFamily="49" charset="0"/>
+              </a:rPr>
+              <a:t>: </a:t>
+            </a:r>
+            <a:r>
+              <a:rPr lang="en-US" sz="1400" b="0" dirty="0">
+                <a:solidFill>
+                  <a:srgbClr val="B5CEA8"/>
+                </a:solidFill>
+                <a:effectLst/>
+                <a:latin typeface="Consolas" panose="020B0609020204030204" pitchFamily="49" charset="0"/>
+              </a:rPr>
+              <a:t>4000</a:t>
+            </a:r>
+            <a:endParaRPr lang="en-US" sz="1400" b="0" dirty="0">
+              <a:solidFill>
+                <a:srgbClr val="D4D4D4"/>
+              </a:solidFill>
+              <a:effectLst/>
+              <a:latin typeface="Consolas" panose="020B0609020204030204" pitchFamily="49" charset="0"/>
+            </a:endParaRPr>
+          </a:p>
+          <a:p>
+            <a:pPr marL="0" indent="0">
+              <a:buNone/>
+            </a:pPr>
+            <a:r>
+              <a:rPr lang="en-US" sz="1400" b="0" dirty="0">
+                <a:solidFill>
+                  <a:srgbClr val="D4D4D4"/>
+                </a:solidFill>
+                <a:effectLst/>
+                <a:latin typeface="Consolas" panose="020B0609020204030204" pitchFamily="49" charset="0"/>
+              </a:rPr>
+              <a:t>      </a:t>
+            </a:r>
+            <a:r>
+              <a:rPr lang="en-US" sz="1400" b="0" dirty="0" err="1">
+                <a:solidFill>
+                  <a:srgbClr val="569CD6"/>
+                </a:solidFill>
+                <a:effectLst/>
+                <a:latin typeface="Consolas" panose="020B0609020204030204" pitchFamily="49" charset="0"/>
+              </a:rPr>
+              <a:t>targetPort</a:t>
+            </a:r>
+            <a:r>
+              <a:rPr lang="en-US" sz="1400" b="0" dirty="0">
+                <a:solidFill>
+                  <a:srgbClr val="D4D4D4"/>
+                </a:solidFill>
+                <a:effectLst/>
+                <a:latin typeface="Consolas" panose="020B0609020204030204" pitchFamily="49" charset="0"/>
+              </a:rPr>
+              <a:t>: </a:t>
+            </a:r>
+            <a:r>
+              <a:rPr lang="en-US" sz="1400" b="0" dirty="0">
+                <a:solidFill>
+                  <a:srgbClr val="B5CEA8"/>
+                </a:solidFill>
+                <a:effectLst/>
+                <a:latin typeface="Consolas" panose="020B0609020204030204" pitchFamily="49" charset="0"/>
+              </a:rPr>
+              <a:t>4000    // </a:t>
+            </a:r>
+            <a:r>
+              <a:rPr lang="en-US" sz="1400" b="0" dirty="0" err="1">
+                <a:solidFill>
+                  <a:srgbClr val="B5CEA8"/>
+                </a:solidFill>
+                <a:effectLst/>
+                <a:latin typeface="Consolas" panose="020B0609020204030204" pitchFamily="49" charset="0"/>
+              </a:rPr>
+              <a:t>actuall</a:t>
+            </a:r>
+            <a:r>
+              <a:rPr lang="en-US" sz="1400" b="0" dirty="0">
+                <a:solidFill>
+                  <a:srgbClr val="B5CEA8"/>
+                </a:solidFill>
+                <a:effectLst/>
+                <a:latin typeface="Consolas" panose="020B0609020204030204" pitchFamily="49" charset="0"/>
+              </a:rPr>
+              <a:t> port on which app is listening</a:t>
+            </a:r>
+            <a:endParaRPr lang="en-US" sz="1400" b="0" dirty="0">
+              <a:solidFill>
+                <a:srgbClr val="D4D4D4"/>
+              </a:solidFill>
+              <a:effectLst/>
+              <a:latin typeface="Consolas" panose="020B0609020204030204" pitchFamily="49" charset="0"/>
+            </a:endParaRPr>
+          </a:p>
+          <a:p>
+            <a:pPr marL="0" indent="0">
+              <a:buNone/>
+            </a:pPr>
+            <a:endParaRPr lang="en-US" sz="2000" dirty="0"/>
+          </a:p>
+        </p:txBody>
+      </p:sp>
+    </p:spTree>
+    <p:extLst>
+      <p:ext uri="{BB962C8B-B14F-4D97-AF65-F5344CB8AC3E}">
+        <p14:creationId xmlns:p14="http://schemas.microsoft.com/office/powerpoint/2010/main" val="1690053727"/>
+      </p:ext>
+    </p:extLst>
+  </p:cSld>
+  <p:clrMapOvr>
+    <a:masterClrMapping/>
+  </p:clrMapOvr>
+</p:sld>
+</file>
+
+<file path=ppt/slides/slide14.xml><?xml version="1.0" encoding="utf-8"?>
+<p:sld xmlns:a="http://schemas.openxmlformats.org/drawingml/2006/main" xmlns:r="http://schemas.openxmlformats.org/officeDocument/2006/relationships" xmlns:p="http://schemas.openxmlformats.org/presentationml/2006/main">
+  <p:cSld>
+    <p:spTree>
+      <p:nvGrpSpPr>
+        <p:cNvPr id="1" name=""/>
+        <p:cNvGrpSpPr/>
+        <p:nvPr/>
+      </p:nvGrpSpPr>
+      <p:grpSpPr>
+        <a:xfrm>
+          <a:off x="0" y="0"/>
+          <a:ext cx="0" cy="0"/>
+          <a:chOff x="0" y="0"/>
+          <a:chExt cx="0" cy="0"/>
+        </a:xfrm>
+      </p:grpSpPr>
+      <p:sp>
+        <p:nvSpPr>
+          <p:cNvPr id="2" name="Title 1">
+            <a:extLst>
+              <a:ext uri="{FF2B5EF4-FFF2-40B4-BE49-F238E27FC236}">
+                <a16:creationId xmlns:a16="http://schemas.microsoft.com/office/drawing/2014/main" id="{58B814F0-1F56-F60C-1B49-422B1726C47F}"/>
+              </a:ext>
+            </a:extLst>
+          </p:cNvPr>
+          <p:cNvSpPr>
+            <a:spLocks noGrp="1"/>
+          </p:cNvSpPr>
+          <p:nvPr>
+            <p:ph type="title"/>
+          </p:nvPr>
+        </p:nvSpPr>
+        <p:spPr>
+          <a:xfrm>
+            <a:off x="3712532" y="230183"/>
+            <a:ext cx="4766930" cy="689633"/>
+          </a:xfrm>
+        </p:spPr>
+        <p:txBody>
+          <a:bodyPr>
+            <a:normAutofit/>
+          </a:bodyPr>
+          <a:lstStyle/>
+          <a:p>
+            <a:pPr marL="0" indent="0" algn="ctr">
+              <a:buFont typeface="Arial" panose="020B0604020202020204" pitchFamily="34" charset="0"/>
+              <a:buNone/>
+            </a:pPr>
+            <a:r>
+              <a:rPr lang="en-US" sz="3600" dirty="0">
+                <a:solidFill>
+                  <a:schemeClr val="tx1"/>
+                </a:solidFill>
+              </a:rPr>
+              <a:t>Node Port Service</a:t>
+            </a:r>
+          </a:p>
+        </p:txBody>
+      </p:sp>
+      <p:sp>
+        <p:nvSpPr>
+          <p:cNvPr id="9" name="Rectangle 8">
+            <a:extLst>
+              <a:ext uri="{FF2B5EF4-FFF2-40B4-BE49-F238E27FC236}">
+                <a16:creationId xmlns:a16="http://schemas.microsoft.com/office/drawing/2014/main" id="{360905D6-3C1A-F1DD-3852-C188F1D35219}"/>
+              </a:ext>
+            </a:extLst>
+          </p:cNvPr>
+          <p:cNvSpPr/>
+          <p:nvPr/>
+        </p:nvSpPr>
+        <p:spPr>
+          <a:xfrm>
+            <a:off x="3442997" y="1796143"/>
+            <a:ext cx="7175238" cy="3265714"/>
+          </a:xfrm>
+          <a:prstGeom prst="rect">
+            <a:avLst/>
+          </a:prstGeom>
+        </p:spPr>
+        <p:style>
+          <a:lnRef idx="3">
+            <a:schemeClr val="lt1"/>
+          </a:lnRef>
+          <a:fillRef idx="1">
+            <a:schemeClr val="accent1"/>
+          </a:fillRef>
+          <a:effectRef idx="1">
+            <a:schemeClr val="accent1"/>
+          </a:effectRef>
+          <a:fontRef idx="minor">
+            <a:schemeClr val="lt1"/>
+          </a:fontRef>
+        </p:style>
+        <p:txBody>
+          <a:bodyPr rtlCol="0" anchor="ctr"/>
+          <a:lstStyle/>
+          <a:p>
+            <a:pPr algn="ctr"/>
+            <a:endParaRPr lang="en-US" dirty="0"/>
+          </a:p>
+        </p:txBody>
+      </p:sp>
+      <p:grpSp>
+        <p:nvGrpSpPr>
+          <p:cNvPr id="16" name="Group 15">
+            <a:extLst>
+              <a:ext uri="{FF2B5EF4-FFF2-40B4-BE49-F238E27FC236}">
+                <a16:creationId xmlns:a16="http://schemas.microsoft.com/office/drawing/2014/main" id="{18D4A744-E462-D7E7-071C-6722E90AF239}"/>
+              </a:ext>
+            </a:extLst>
+          </p:cNvPr>
+          <p:cNvGrpSpPr/>
+          <p:nvPr/>
+        </p:nvGrpSpPr>
+        <p:grpSpPr>
+          <a:xfrm>
+            <a:off x="8218199" y="2465773"/>
+            <a:ext cx="2138587" cy="1855432"/>
+            <a:chOff x="1568388" y="2743199"/>
+            <a:chExt cx="2068496" cy="1855432"/>
+          </a:xfrm>
+        </p:grpSpPr>
+        <p:sp>
+          <p:nvSpPr>
+            <p:cNvPr id="13" name="Rectangle 12">
+              <a:extLst>
+                <a:ext uri="{FF2B5EF4-FFF2-40B4-BE49-F238E27FC236}">
+                  <a16:creationId xmlns:a16="http://schemas.microsoft.com/office/drawing/2014/main" id="{CA599A92-852A-4369-6066-9138C74E3766}"/>
+                </a:ext>
+              </a:extLst>
+            </p:cNvPr>
+            <p:cNvSpPr/>
+            <p:nvPr/>
+          </p:nvSpPr>
+          <p:spPr>
+            <a:xfrm>
+              <a:off x="1568388" y="2743199"/>
+              <a:ext cx="2068496" cy="1855432"/>
+            </a:xfrm>
+            <a:prstGeom prst="rect">
+              <a:avLst/>
+            </a:prstGeom>
+          </p:spPr>
+          <p:style>
+            <a:lnRef idx="3">
+              <a:schemeClr val="lt1"/>
+            </a:lnRef>
+            <a:fillRef idx="1">
+              <a:schemeClr val="accent4"/>
+            </a:fillRef>
+            <a:effectRef idx="1">
+              <a:schemeClr val="accent4"/>
+            </a:effectRef>
+            <a:fontRef idx="minor">
+              <a:schemeClr val="lt1"/>
+            </a:fontRef>
+          </p:style>
+          <p:txBody>
+            <a:bodyPr rtlCol="0" anchor="ctr"/>
+            <a:lstStyle/>
+            <a:p>
+              <a:pPr algn="ctr"/>
+              <a:endParaRPr lang="en-US" dirty="0"/>
+            </a:p>
+          </p:txBody>
+        </p:sp>
+        <p:sp>
+          <p:nvSpPr>
+            <p:cNvPr id="14" name="Rectangle 13">
+              <a:extLst>
+                <a:ext uri="{FF2B5EF4-FFF2-40B4-BE49-F238E27FC236}">
+                  <a16:creationId xmlns:a16="http://schemas.microsoft.com/office/drawing/2014/main" id="{2436758B-9700-2883-6CA1-53A30F0993A5}"/>
+                </a:ext>
+              </a:extLst>
+            </p:cNvPr>
+            <p:cNvSpPr/>
+            <p:nvPr/>
+          </p:nvSpPr>
+          <p:spPr>
+            <a:xfrm>
+              <a:off x="1568388" y="2743199"/>
+              <a:ext cx="2068492" cy="594805"/>
+            </a:xfrm>
+            <a:prstGeom prst="rect">
+              <a:avLst/>
+            </a:prstGeom>
+          </p:spPr>
+          <p:style>
+            <a:lnRef idx="1">
+              <a:schemeClr val="accent2"/>
+            </a:lnRef>
+            <a:fillRef idx="2">
+              <a:schemeClr val="accent2"/>
+            </a:fillRef>
+            <a:effectRef idx="1">
+              <a:schemeClr val="accent2"/>
+            </a:effectRef>
+            <a:fontRef idx="minor">
+              <a:schemeClr val="dk1"/>
+            </a:fontRef>
+          </p:style>
+          <p:txBody>
+            <a:bodyPr rtlCol="0" anchor="ctr"/>
+            <a:lstStyle/>
+            <a:p>
+              <a:pPr algn="ctr"/>
+              <a:r>
+                <a:rPr lang="en-US" sz="2400" b="1" dirty="0"/>
+                <a:t>Pod</a:t>
+              </a:r>
+            </a:p>
+          </p:txBody>
+        </p:sp>
+        <p:sp>
+          <p:nvSpPr>
+            <p:cNvPr id="15" name="Rectangle 14">
+              <a:extLst>
+                <a:ext uri="{FF2B5EF4-FFF2-40B4-BE49-F238E27FC236}">
+                  <a16:creationId xmlns:a16="http://schemas.microsoft.com/office/drawing/2014/main" id="{9FF67206-26CD-3517-6DB2-FCE232BDB07A}"/>
+                </a:ext>
+              </a:extLst>
+            </p:cNvPr>
+            <p:cNvSpPr/>
+            <p:nvPr/>
+          </p:nvSpPr>
+          <p:spPr>
+            <a:xfrm>
+              <a:off x="1748898" y="3497805"/>
+              <a:ext cx="1707472" cy="932152"/>
+            </a:xfrm>
+            <a:prstGeom prst="rect">
+              <a:avLst/>
+            </a:prstGeom>
+            <a:solidFill>
+              <a:schemeClr val="accent2"/>
+            </a:solidFill>
+            <a:ln>
+              <a:noFill/>
+            </a:ln>
+          </p:spPr>
+          <p:style>
+            <a:lnRef idx="0">
+              <a:scrgbClr r="0" g="0" b="0"/>
+            </a:lnRef>
+            <a:fillRef idx="0">
+              <a:scrgbClr r="0" g="0" b="0"/>
+            </a:fillRef>
+            <a:effectRef idx="0">
+              <a:scrgbClr r="0" g="0" b="0"/>
+            </a:effectRef>
+            <a:fontRef idx="minor">
+              <a:schemeClr val="lt1"/>
+            </a:fontRef>
+          </p:style>
+          <p:txBody>
+            <a:bodyPr rtlCol="0" anchor="ctr"/>
+            <a:lstStyle/>
+            <a:p>
+              <a:pPr algn="ctr"/>
+              <a:r>
+                <a:rPr lang="en-US" sz="1600" b="1" dirty="0"/>
+                <a:t>Container running Post Image</a:t>
+              </a:r>
+            </a:p>
+          </p:txBody>
+        </p:sp>
+      </p:grpSp>
+      <p:sp>
+        <p:nvSpPr>
+          <p:cNvPr id="10" name="TextBox 9">
+            <a:extLst>
+              <a:ext uri="{FF2B5EF4-FFF2-40B4-BE49-F238E27FC236}">
+                <a16:creationId xmlns:a16="http://schemas.microsoft.com/office/drawing/2014/main" id="{56C3FD98-E839-6CD8-A66E-79F836D118F9}"/>
+              </a:ext>
+            </a:extLst>
+          </p:cNvPr>
+          <p:cNvSpPr txBox="1"/>
+          <p:nvPr/>
+        </p:nvSpPr>
+        <p:spPr>
+          <a:xfrm>
+            <a:off x="4188347" y="1213104"/>
+            <a:ext cx="1103187" cy="584775"/>
+          </a:xfrm>
+          <a:prstGeom prst="rect">
+            <a:avLst/>
+          </a:prstGeom>
+          <a:noFill/>
+        </p:spPr>
+        <p:txBody>
+          <a:bodyPr wrap="none" rtlCol="0">
+            <a:spAutoFit/>
+          </a:bodyPr>
+          <a:lstStyle/>
+          <a:p>
+            <a:r>
+              <a:rPr lang="en-US" sz="3200" b="1" dirty="0"/>
+              <a:t>Node</a:t>
+            </a:r>
+          </a:p>
+        </p:txBody>
+      </p:sp>
+      <p:sp>
+        <p:nvSpPr>
+          <p:cNvPr id="4" name="Rectangle 3">
+            <a:extLst>
+              <a:ext uri="{FF2B5EF4-FFF2-40B4-BE49-F238E27FC236}">
+                <a16:creationId xmlns:a16="http://schemas.microsoft.com/office/drawing/2014/main" id="{E6E8420A-9D1A-DD15-3E80-EB97743E98A5}"/>
+              </a:ext>
+            </a:extLst>
+          </p:cNvPr>
+          <p:cNvSpPr/>
+          <p:nvPr/>
+        </p:nvSpPr>
+        <p:spPr>
+          <a:xfrm>
+            <a:off x="4734741" y="2380918"/>
+            <a:ext cx="2274634" cy="1855432"/>
+          </a:xfrm>
+          <a:prstGeom prst="rect">
+            <a:avLst/>
+          </a:prstGeom>
+        </p:spPr>
+        <p:style>
+          <a:lnRef idx="3">
+            <a:schemeClr val="lt1"/>
+          </a:lnRef>
+          <a:fillRef idx="1">
+            <a:schemeClr val="accent4"/>
+          </a:fillRef>
+          <a:effectRef idx="1">
+            <a:schemeClr val="accent4"/>
+          </a:effectRef>
+          <a:fontRef idx="minor">
+            <a:schemeClr val="lt1"/>
+          </a:fontRef>
+        </p:style>
+        <p:txBody>
+          <a:bodyPr rtlCol="0" anchor="ctr"/>
+          <a:lstStyle/>
+          <a:p>
+            <a:pPr algn="ctr"/>
+            <a:r>
+              <a:rPr lang="en-US" dirty="0">
+                <a:solidFill>
+                  <a:schemeClr val="tx1"/>
+                </a:solidFill>
+              </a:rPr>
+              <a:t>Node Port Service</a:t>
+            </a:r>
+          </a:p>
+        </p:txBody>
+      </p:sp>
+      <p:sp>
+        <p:nvSpPr>
+          <p:cNvPr id="7" name="Rectangle 6">
+            <a:extLst>
+              <a:ext uri="{FF2B5EF4-FFF2-40B4-BE49-F238E27FC236}">
+                <a16:creationId xmlns:a16="http://schemas.microsoft.com/office/drawing/2014/main" id="{544A0F2B-9938-86FA-8880-FAD6CB49AAC7}"/>
+              </a:ext>
+            </a:extLst>
+          </p:cNvPr>
+          <p:cNvSpPr/>
+          <p:nvPr/>
+        </p:nvSpPr>
+        <p:spPr>
+          <a:xfrm>
+            <a:off x="563962" y="1102624"/>
+            <a:ext cx="2274634" cy="1855432"/>
+          </a:xfrm>
+          <a:prstGeom prst="rect">
+            <a:avLst/>
+          </a:prstGeom>
+        </p:spPr>
+        <p:style>
+          <a:lnRef idx="3">
+            <a:schemeClr val="lt1"/>
+          </a:lnRef>
+          <a:fillRef idx="1">
+            <a:schemeClr val="accent4"/>
+          </a:fillRef>
+          <a:effectRef idx="1">
+            <a:schemeClr val="accent4"/>
+          </a:effectRef>
+          <a:fontRef idx="minor">
+            <a:schemeClr val="lt1"/>
+          </a:fontRef>
+        </p:style>
+        <p:txBody>
+          <a:bodyPr rtlCol="0" anchor="ctr"/>
+          <a:lstStyle/>
+          <a:p>
+            <a:pPr algn="ctr"/>
+            <a:r>
+              <a:rPr lang="en-US" dirty="0">
+                <a:solidFill>
+                  <a:schemeClr val="tx1"/>
+                </a:solidFill>
+              </a:rPr>
+              <a:t>Browser</a:t>
+            </a:r>
+          </a:p>
+        </p:txBody>
+      </p:sp>
+      <p:cxnSp>
+        <p:nvCxnSpPr>
+          <p:cNvPr id="17" name="Connector: Elbow 16">
+            <a:extLst>
+              <a:ext uri="{FF2B5EF4-FFF2-40B4-BE49-F238E27FC236}">
+                <a16:creationId xmlns:a16="http://schemas.microsoft.com/office/drawing/2014/main" id="{3E8E32A1-9230-8F72-F4F4-48F879C74694}"/>
+              </a:ext>
+            </a:extLst>
+          </p:cNvPr>
+          <p:cNvCxnSpPr>
+            <a:stCxn id="7" idx="2"/>
+            <a:endCxn id="9" idx="1"/>
+          </p:cNvCxnSpPr>
+          <p:nvPr/>
+        </p:nvCxnSpPr>
+        <p:spPr>
+          <a:xfrm rot="16200000" flipH="1">
+            <a:off x="2336666" y="2322669"/>
+            <a:ext cx="470944" cy="1741718"/>
+          </a:xfrm>
+          <a:prstGeom prst="bentConnector2">
+            <a:avLst/>
+          </a:prstGeom>
+          <a:ln w="38100">
+            <a:tailEnd type="triangle"/>
+          </a:ln>
+        </p:spPr>
+        <p:style>
+          <a:lnRef idx="1">
+            <a:schemeClr val="accent1"/>
+          </a:lnRef>
+          <a:fillRef idx="0">
+            <a:schemeClr val="accent1"/>
+          </a:fillRef>
+          <a:effectRef idx="0">
+            <a:schemeClr val="accent1"/>
+          </a:effectRef>
+          <a:fontRef idx="minor">
+            <a:schemeClr val="tx1"/>
+          </a:fontRef>
+        </p:style>
+      </p:cxnSp>
+      <p:sp>
+        <p:nvSpPr>
+          <p:cNvPr id="18" name="TextBox 17">
+            <a:extLst>
+              <a:ext uri="{FF2B5EF4-FFF2-40B4-BE49-F238E27FC236}">
+                <a16:creationId xmlns:a16="http://schemas.microsoft.com/office/drawing/2014/main" id="{56298E75-F864-CB55-1EAD-C0739820E0C9}"/>
+              </a:ext>
+            </a:extLst>
+          </p:cNvPr>
+          <p:cNvSpPr txBox="1"/>
+          <p:nvPr/>
+        </p:nvSpPr>
+        <p:spPr>
+          <a:xfrm>
+            <a:off x="1843323" y="3412664"/>
+            <a:ext cx="1325518" cy="646331"/>
+          </a:xfrm>
+          <a:prstGeom prst="rect">
+            <a:avLst/>
+          </a:prstGeom>
+          <a:noFill/>
+        </p:spPr>
+        <p:txBody>
+          <a:bodyPr wrap="square" rtlCol="0">
+            <a:spAutoFit/>
+          </a:bodyPr>
+          <a:lstStyle/>
+          <a:p>
+            <a:r>
+              <a:rPr lang="en-US" dirty="0"/>
+              <a:t>Port 3xxxx</a:t>
+            </a:r>
+          </a:p>
+          <a:p>
+            <a:r>
+              <a:rPr lang="en-US" dirty="0" err="1"/>
+              <a:t>nodePort</a:t>
+            </a:r>
+            <a:endParaRPr lang="en-US" dirty="0"/>
+          </a:p>
+        </p:txBody>
+      </p:sp>
+      <p:sp>
+        <p:nvSpPr>
+          <p:cNvPr id="20" name="TextBox 19">
+            <a:extLst>
+              <a:ext uri="{FF2B5EF4-FFF2-40B4-BE49-F238E27FC236}">
+                <a16:creationId xmlns:a16="http://schemas.microsoft.com/office/drawing/2014/main" id="{4C5BAD8A-E4A7-8481-DD9A-4229B01EDD42}"/>
+              </a:ext>
+            </a:extLst>
+          </p:cNvPr>
+          <p:cNvSpPr txBox="1"/>
+          <p:nvPr/>
+        </p:nvSpPr>
+        <p:spPr>
+          <a:xfrm>
+            <a:off x="3525916" y="3231027"/>
+            <a:ext cx="1269137" cy="646331"/>
+          </a:xfrm>
+          <a:prstGeom prst="rect">
+            <a:avLst/>
+          </a:prstGeom>
+          <a:noFill/>
+        </p:spPr>
+        <p:txBody>
+          <a:bodyPr wrap="square" rtlCol="0">
+            <a:spAutoFit/>
+          </a:bodyPr>
+          <a:lstStyle/>
+          <a:p>
+            <a:r>
+              <a:rPr lang="en-US" dirty="0">
+                <a:solidFill>
+                  <a:schemeClr val="bg1"/>
+                </a:solidFill>
+              </a:rPr>
+              <a:t>Port 4000</a:t>
+            </a:r>
+          </a:p>
+          <a:p>
+            <a:r>
+              <a:rPr lang="en-US" dirty="0">
+                <a:solidFill>
+                  <a:schemeClr val="bg1"/>
+                </a:solidFill>
+              </a:rPr>
+              <a:t>     Port</a:t>
+            </a:r>
+          </a:p>
+        </p:txBody>
+      </p:sp>
+      <p:sp>
+        <p:nvSpPr>
+          <p:cNvPr id="21" name="TextBox 20">
+            <a:extLst>
+              <a:ext uri="{FF2B5EF4-FFF2-40B4-BE49-F238E27FC236}">
+                <a16:creationId xmlns:a16="http://schemas.microsoft.com/office/drawing/2014/main" id="{3F89F757-51B4-6601-394B-28A6D36E0E32}"/>
+              </a:ext>
+            </a:extLst>
+          </p:cNvPr>
+          <p:cNvSpPr txBox="1"/>
+          <p:nvPr/>
+        </p:nvSpPr>
+        <p:spPr>
+          <a:xfrm>
+            <a:off x="7061407" y="3158469"/>
+            <a:ext cx="1269137" cy="646331"/>
+          </a:xfrm>
+          <a:prstGeom prst="rect">
+            <a:avLst/>
+          </a:prstGeom>
+          <a:noFill/>
+        </p:spPr>
+        <p:txBody>
+          <a:bodyPr wrap="square" rtlCol="0">
+            <a:spAutoFit/>
+          </a:bodyPr>
+          <a:lstStyle/>
+          <a:p>
+            <a:r>
+              <a:rPr lang="en-US" dirty="0">
+                <a:solidFill>
+                  <a:schemeClr val="bg1"/>
+                </a:solidFill>
+              </a:rPr>
+              <a:t>Port 4000</a:t>
+            </a:r>
+          </a:p>
+          <a:p>
+            <a:r>
+              <a:rPr lang="en-US" dirty="0" err="1">
+                <a:solidFill>
+                  <a:schemeClr val="bg1"/>
+                </a:solidFill>
+              </a:rPr>
+              <a:t>targetPort</a:t>
+            </a:r>
+            <a:endParaRPr lang="en-US" dirty="0">
+              <a:solidFill>
+                <a:schemeClr val="bg1"/>
+              </a:solidFill>
+            </a:endParaRPr>
+          </a:p>
+        </p:txBody>
+      </p:sp>
+    </p:spTree>
+    <p:extLst>
+      <p:ext uri="{BB962C8B-B14F-4D97-AF65-F5344CB8AC3E}">
+        <p14:creationId xmlns:p14="http://schemas.microsoft.com/office/powerpoint/2010/main" val="631054879"/>
+      </p:ext>
+    </p:extLst>
+  </p:cSld>
+  <p:clrMapOvr>
+    <a:masterClrMapping/>
+  </p:clrMapOvr>
+</p:sld>
+</file>
+
+<file path=ppt/slides/slide15.xml><?xml version="1.0" encoding="utf-8"?>
+<p:sld xmlns:a="http://schemas.openxmlformats.org/drawingml/2006/main" xmlns:r="http://schemas.openxmlformats.org/officeDocument/2006/relationships" xmlns:p="http://schemas.openxmlformats.org/presentationml/2006/main">
+  <p:cSld>
+    <p:spTree>
+      <p:nvGrpSpPr>
+        <p:cNvPr id="1" name=""/>
+        <p:cNvGrpSpPr/>
+        <p:nvPr/>
+      </p:nvGrpSpPr>
+      <p:grpSpPr>
+        <a:xfrm>
+          <a:off x="0" y="0"/>
+          <a:ext cx="0" cy="0"/>
+          <a:chOff x="0" y="0"/>
+          <a:chExt cx="0" cy="0"/>
+        </a:xfrm>
+      </p:grpSpPr>
+      <p:sp>
+        <p:nvSpPr>
+          <p:cNvPr id="2" name="Title 1">
+            <a:extLst>
+              <a:ext uri="{FF2B5EF4-FFF2-40B4-BE49-F238E27FC236}">
+                <a16:creationId xmlns:a16="http://schemas.microsoft.com/office/drawing/2014/main" id="{58B814F0-1F56-F60C-1B49-422B1726C47F}"/>
+              </a:ext>
+            </a:extLst>
+          </p:cNvPr>
+          <p:cNvSpPr>
+            <a:spLocks noGrp="1"/>
+          </p:cNvSpPr>
+          <p:nvPr>
+            <p:ph type="title"/>
+          </p:nvPr>
+        </p:nvSpPr>
+        <p:spPr>
+          <a:xfrm>
+            <a:off x="3467100" y="272360"/>
+            <a:ext cx="5257800" cy="960092"/>
+          </a:xfrm>
+        </p:spPr>
+        <p:txBody>
+          <a:bodyPr>
+            <a:normAutofit/>
+          </a:bodyPr>
+          <a:lstStyle/>
+          <a:p>
+            <a:pPr algn="ctr"/>
+            <a:r>
+              <a:rPr lang="en-US" sz="4000" b="1" dirty="0"/>
+              <a:t>Service Commands</a:t>
+            </a:r>
+          </a:p>
+        </p:txBody>
+      </p:sp>
+      <p:sp>
+        <p:nvSpPr>
+          <p:cNvPr id="3" name="Content Placeholder 2">
+            <a:extLst>
+              <a:ext uri="{FF2B5EF4-FFF2-40B4-BE49-F238E27FC236}">
+                <a16:creationId xmlns:a16="http://schemas.microsoft.com/office/drawing/2014/main" id="{8A5352C0-64AD-EC4B-657B-45331D013334}"/>
+              </a:ext>
+            </a:extLst>
+          </p:cNvPr>
+          <p:cNvSpPr>
+            <a:spLocks noGrp="1"/>
+          </p:cNvSpPr>
+          <p:nvPr>
+            <p:ph idx="1"/>
+          </p:nvPr>
+        </p:nvSpPr>
+        <p:spPr>
+          <a:xfrm>
+            <a:off x="1262270" y="1405557"/>
+            <a:ext cx="9737033" cy="4769955"/>
+          </a:xfrm>
+        </p:spPr>
+        <p:txBody>
+          <a:bodyPr>
+            <a:normAutofit/>
+          </a:bodyPr>
+          <a:lstStyle/>
+          <a:p>
+            <a:pPr marL="0" indent="0">
+              <a:buNone/>
+            </a:pPr>
+            <a:r>
+              <a:rPr lang="en-US" b="1" dirty="0" err="1"/>
+              <a:t>Kubectl</a:t>
+            </a:r>
+            <a:r>
+              <a:rPr lang="en-US" b="1" dirty="0"/>
+              <a:t> get services</a:t>
+            </a:r>
+          </a:p>
+          <a:p>
+            <a:pPr>
+              <a:buFont typeface="Symbol" panose="05050102010706020507" pitchFamily="18" charset="2"/>
+              <a:buChar char="Þ"/>
+            </a:pPr>
+            <a:r>
+              <a:rPr lang="en-US" sz="2000" dirty="0"/>
+              <a:t> List all the running services</a:t>
+            </a:r>
+          </a:p>
+          <a:p>
+            <a:pPr marL="0" indent="0">
+              <a:buNone/>
+            </a:pPr>
+            <a:r>
+              <a:rPr lang="en-US" b="1" dirty="0" err="1"/>
+              <a:t>Kubectl</a:t>
+            </a:r>
+            <a:r>
+              <a:rPr lang="en-US" b="1" dirty="0"/>
+              <a:t> </a:t>
+            </a:r>
+            <a:r>
+              <a:rPr lang="en-US" b="1"/>
+              <a:t>describe service </a:t>
+            </a:r>
+            <a:r>
+              <a:rPr lang="en-US" b="1" dirty="0"/>
+              <a:t>[</a:t>
+            </a:r>
+            <a:r>
+              <a:rPr lang="en-US" b="1" dirty="0" err="1"/>
+              <a:t>depl</a:t>
+            </a:r>
+            <a:r>
+              <a:rPr lang="en-US" b="1" dirty="0"/>
+              <a:t> name]</a:t>
+            </a:r>
+          </a:p>
+          <a:p>
+            <a:pPr>
+              <a:buFont typeface="Symbol" panose="05050102010706020507" pitchFamily="18" charset="2"/>
+              <a:buChar char="Þ"/>
+            </a:pPr>
+            <a:r>
+              <a:rPr lang="en-US" sz="2000" dirty="0"/>
+              <a:t> Print out details about a specific deployment</a:t>
+            </a:r>
+          </a:p>
+          <a:p>
+            <a:pPr marL="0" indent="0">
+              <a:buNone/>
+            </a:pPr>
+            <a:r>
+              <a:rPr lang="en-US" b="1" dirty="0" err="1"/>
+              <a:t>Kubectl</a:t>
+            </a:r>
+            <a:r>
+              <a:rPr lang="en-US" b="1" dirty="0"/>
+              <a:t> apply –f [</a:t>
+            </a:r>
+            <a:r>
+              <a:rPr lang="en-US" b="1" dirty="0" err="1"/>
+              <a:t>config_file_name</a:t>
+            </a:r>
+            <a:r>
+              <a:rPr lang="en-US" b="1" dirty="0"/>
+              <a:t>]</a:t>
+            </a:r>
+          </a:p>
+          <a:p>
+            <a:pPr>
+              <a:buFont typeface="Symbol" panose="05050102010706020507" pitchFamily="18" charset="2"/>
+              <a:buChar char="Þ"/>
+            </a:pPr>
+            <a:r>
+              <a:rPr lang="en-US" sz="2000" dirty="0"/>
+              <a:t> Create a deployment out of a Config File</a:t>
+            </a:r>
+          </a:p>
+          <a:p>
+            <a:pPr marL="0" indent="0">
+              <a:buNone/>
+            </a:pPr>
+            <a:r>
+              <a:rPr lang="en-US" b="1" dirty="0" err="1"/>
+              <a:t>Kubectl</a:t>
+            </a:r>
+            <a:r>
+              <a:rPr lang="en-US" b="1" dirty="0"/>
+              <a:t> delete deployment [</a:t>
+            </a:r>
+            <a:r>
+              <a:rPr lang="en-US" b="1" dirty="0" err="1"/>
+              <a:t>depl_name</a:t>
+            </a:r>
+            <a:r>
+              <a:rPr lang="en-US" b="1" dirty="0"/>
+              <a:t>]</a:t>
+            </a:r>
+          </a:p>
+          <a:p>
+            <a:pPr>
+              <a:buFont typeface="Symbol" panose="05050102010706020507" pitchFamily="18" charset="2"/>
+              <a:buChar char="Þ"/>
+            </a:pPr>
+            <a:r>
+              <a:rPr lang="en-US" sz="2000" dirty="0"/>
+              <a:t> Delete a deployment </a:t>
+            </a:r>
+          </a:p>
+          <a:p>
+            <a:pPr marL="0" indent="0">
+              <a:buNone/>
+            </a:pPr>
+            <a:endParaRPr lang="en-US" sz="2000" dirty="0"/>
+          </a:p>
+          <a:p>
+            <a:pPr marL="0" indent="0">
+              <a:buNone/>
+            </a:pPr>
+            <a:endParaRPr lang="en-US" sz="2000" dirty="0"/>
+          </a:p>
+        </p:txBody>
+      </p:sp>
+    </p:spTree>
+    <p:extLst>
+      <p:ext uri="{BB962C8B-B14F-4D97-AF65-F5344CB8AC3E}">
+        <p14:creationId xmlns:p14="http://schemas.microsoft.com/office/powerpoint/2010/main" val="1664817180"/>
       </p:ext>
     </p:extLst>
   </p:cSld>
